--- a/capstone_project1_New_Mexico_Well_Oil_Gas_Spill_Incidents.pptx
+++ b/capstone_project1_New_Mexico_Well_Oil_Gas_Spill_Incidents.pptx
@@ -236,7 +236,7 @@
           <a:p>
             <a:fld id="{D32337CF-FC56-419D-B15F-114497CB74BD}" type="datetimeFigureOut">
               <a:rPr lang="en-US" smtClean="0"/>
-              <a:t>3/18/2019</a:t>
+              <a:t>3/19/2019</a:t>
             </a:fld>
             <a:endParaRPr lang="en-US"/>
           </a:p>
@@ -3722,22 +3722,14 @@
             <a:pPr algn="ctr"/>
             <a:r>
               <a:rPr lang="en-US" sz="2400" b="1" dirty="0" smtClean="0"/>
-              <a:t>New Mexico Oil and Gas Production and </a:t>
-            </a:r>
+              <a:t>New Mexico Oil and Gas Production and Injection,</a:t>
+            </a:r>
+          </a:p>
+          <a:p>
+            <a:pPr algn="ctr"/>
             <a:r>
               <a:rPr lang="en-US" sz="2400" b="1" dirty="0" smtClean="0"/>
-              <a:t>Injection,</a:t>
-            </a:r>
-          </a:p>
-          <a:p>
-            <a:pPr algn="ctr"/>
-            <a:r>
-              <a:rPr lang="en-US" sz="2400" b="1" dirty="0" smtClean="0"/>
-              <a:t> </a:t>
-            </a:r>
-            <a:r>
-              <a:rPr lang="en-US" sz="2400" b="1" dirty="0" smtClean="0"/>
-              <a:t>and Spill </a:t>
+              <a:t> and Spill </a:t>
             </a:r>
             <a:r>
               <a:rPr lang="en-US" sz="2400" b="1" dirty="0"/>
@@ -5924,7 +5916,22 @@
                 <a:ea typeface="Times New Roman" pitchFamily="18" charset="0"/>
                 <a:cs typeface="Calibri" pitchFamily="34" charset="0"/>
               </a:rPr>
-              <a:t>The individual formation follows the </a:t>
+              <a:t>The individual formation follows the similar</a:t>
+            </a:r>
+            <a:r>
+              <a:rPr kumimoji="0" lang="en-US" altLang="en-US" sz="1400" b="0" i="0" u="none" strike="noStrike" cap="none" normalizeH="0" dirty="0" smtClean="0">
+                <a:ln>
+                  <a:noFill/>
+                </a:ln>
+                <a:solidFill>
+                  <a:schemeClr val="tx1"/>
+                </a:solidFill>
+                <a:effectLst/>
+                <a:latin typeface="Arial" pitchFamily="34" charset="0"/>
+                <a:ea typeface="Times New Roman" pitchFamily="18" charset="0"/>
+                <a:cs typeface="Calibri" pitchFamily="34" charset="0"/>
+              </a:rPr>
+              <a:t> </a:t>
             </a:r>
             <a:r>
               <a:rPr kumimoji="0" lang="en-US" altLang="en-US" sz="1400" b="0" i="0" u="none" strike="noStrike" cap="none" normalizeH="0" baseline="0" dirty="0" smtClean="0">
@@ -5939,50 +5946,8 @@
                 <a:ea typeface="Times New Roman" pitchFamily="18" charset="0"/>
                 <a:cs typeface="Calibri" pitchFamily="34" charset="0"/>
               </a:rPr>
-              <a:t>similar</a:t>
-            </a:r>
-            <a:r>
-              <a:rPr kumimoji="0" lang="en-US" altLang="en-US" sz="1400" b="0" i="0" u="none" strike="noStrike" cap="none" normalizeH="0" dirty="0" smtClean="0">
-                <a:ln>
-                  <a:noFill/>
-                </a:ln>
-                <a:solidFill>
-                  <a:schemeClr val="tx1"/>
-                </a:solidFill>
-                <a:effectLst/>
-                <a:latin typeface="Arial" pitchFamily="34" charset="0"/>
-                <a:ea typeface="Times New Roman" pitchFamily="18" charset="0"/>
-                <a:cs typeface="Calibri" pitchFamily="34" charset="0"/>
-              </a:rPr>
-              <a:t> </a:t>
-            </a:r>
-            <a:r>
-              <a:rPr kumimoji="0" lang="en-US" altLang="en-US" sz="1400" b="0" i="0" u="none" strike="noStrike" cap="none" normalizeH="0" baseline="0" dirty="0" smtClean="0">
-                <a:ln>
-                  <a:noFill/>
-                </a:ln>
-                <a:solidFill>
-                  <a:schemeClr val="tx1"/>
-                </a:solidFill>
-                <a:effectLst/>
-                <a:latin typeface="Arial" pitchFamily="34" charset="0"/>
-                <a:ea typeface="Times New Roman" pitchFamily="18" charset="0"/>
-                <a:cs typeface="Calibri" pitchFamily="34" charset="0"/>
-              </a:rPr>
               <a:t>pattern</a:t>
             </a:r>
-            <a:endParaRPr kumimoji="0" lang="en-US" altLang="en-US" sz="1400" b="0" i="0" u="none" strike="noStrike" cap="none" normalizeH="0" baseline="0" dirty="0" smtClean="0">
-              <a:ln>
-                <a:noFill/>
-              </a:ln>
-              <a:solidFill>
-                <a:schemeClr val="tx1"/>
-              </a:solidFill>
-              <a:effectLst/>
-              <a:latin typeface="Arial" pitchFamily="34" charset="0"/>
-              <a:ea typeface="Times New Roman" pitchFamily="18" charset="0"/>
-              <a:cs typeface="Calibri" pitchFamily="34" charset="0"/>
-            </a:endParaRPr>
           </a:p>
           <a:p>
             <a:pPr marR="0" lvl="0" algn="l" defTabSz="914400" rtl="0" eaLnBrk="1" fontAlgn="base" latinLnBrk="0" hangingPunct="1">
@@ -6233,22 +6198,7 @@
                 <a:ea typeface="Times New Roman" pitchFamily="18" charset="0"/>
                 <a:cs typeface="Calibri" pitchFamily="34" charset="0"/>
               </a:rPr>
-              <a:t>EUMONT;YATES-7RVRS-QUEEN(GAS), with total production volume 1.75e9 </a:t>
-            </a:r>
-            <a:r>
-              <a:rPr kumimoji="0" lang="en-US" altLang="en-US" sz="1400" b="0" i="0" u="none" strike="noStrike" cap="none" normalizeH="0" baseline="0" dirty="0" smtClean="0">
-                <a:ln>
-                  <a:noFill/>
-                </a:ln>
-                <a:solidFill>
-                  <a:schemeClr val="tx1"/>
-                </a:solidFill>
-                <a:effectLst/>
-                <a:latin typeface="Arial" pitchFamily="34" charset="0"/>
-                <a:ea typeface="Times New Roman" pitchFamily="18" charset="0"/>
-                <a:cs typeface="Calibri" pitchFamily="34" charset="0"/>
-              </a:rPr>
-              <a:t>MCF</a:t>
+              <a:t>EUMONT;YATES-7RVRS-QUEEN(GAS), with total production volume 1.75e9 MCF</a:t>
             </a:r>
             <a:endParaRPr kumimoji="0" lang="en-US" altLang="en-US" sz="1400" b="0" i="0" u="none" strike="noStrike" cap="none" normalizeH="0" baseline="0" dirty="0" smtClean="0">
               <a:ln>
@@ -10025,22 +9975,7 @@
                 <a:ea typeface="Times New Roman" pitchFamily="18" charset="0"/>
                 <a:cs typeface="Calibri" pitchFamily="34" charset="0"/>
               </a:rPr>
-              <a:t>There </a:t>
-            </a:r>
-            <a:r>
-              <a:rPr kumimoji="0" lang="en-US" altLang="en-US" sz="1400" b="0" i="0" u="none" strike="noStrike" cap="none" normalizeH="0" baseline="0" dirty="0" smtClean="0">
-                <a:ln>
-                  <a:noFill/>
-                </a:ln>
-                <a:solidFill>
-                  <a:srgbClr val="000000"/>
-                </a:solidFill>
-                <a:effectLst/>
-                <a:latin typeface="Arial" pitchFamily="34" charset="0"/>
-                <a:ea typeface="Times New Roman" pitchFamily="18" charset="0"/>
-                <a:cs typeface="Calibri" pitchFamily="34" charset="0"/>
-              </a:rPr>
-              <a:t>is a high correlation between production and injection generally, meaning more injection and more production, </a:t>
+              <a:t>There is a high correlation between production and injection generally, meaning more injection and more production, </a:t>
             </a:r>
             <a:r>
               <a:rPr kumimoji="0" lang="en-US" altLang="en-US" sz="1400" b="0" i="1" u="none" strike="noStrike" cap="none" normalizeH="0" baseline="0" dirty="0" smtClean="0">
@@ -10096,7 +10031,22 @@
                 <a:ea typeface="Times New Roman" pitchFamily="18" charset="0"/>
                 <a:cs typeface="Arial" pitchFamily="34" charset="0"/>
               </a:rPr>
-              <a:t>The </a:t>
+              <a:t>The No.2 water injection formation </a:t>
+            </a:r>
+            <a:r>
+              <a:rPr kumimoji="0" lang="en-US" altLang="zh-CN" sz="1400" b="0" i="1" u="none" strike="noStrike" cap="none" normalizeH="0" baseline="0" dirty="0" smtClean="0">
+                <a:ln>
+                  <a:noFill/>
+                </a:ln>
+                <a:solidFill>
+                  <a:srgbClr val="000000"/>
+                </a:solidFill>
+                <a:effectLst/>
+                <a:latin typeface="Arial" pitchFamily="34" charset="0"/>
+                <a:ea typeface="Times New Roman" pitchFamily="18" charset="0"/>
+                <a:cs typeface="Arial" pitchFamily="34" charset="0"/>
+              </a:rPr>
+              <a:t>SWD;DEVONIAN</a:t>
             </a:r>
             <a:r>
               <a:rPr kumimoji="0" lang="en-US" altLang="zh-CN" sz="1400" b="0" i="0" u="none" strike="noStrike" cap="none" normalizeH="0" baseline="0" dirty="0" smtClean="0">
@@ -10111,52 +10061,7 @@
                 <a:ea typeface="Times New Roman" pitchFamily="18" charset="0"/>
                 <a:cs typeface="Arial" pitchFamily="34" charset="0"/>
               </a:rPr>
-              <a:t>No.2 water injection formation </a:t>
-            </a:r>
-            <a:r>
-              <a:rPr kumimoji="0" lang="en-US" altLang="zh-CN" sz="1400" b="0" i="1" u="none" strike="noStrike" cap="none" normalizeH="0" baseline="0" dirty="0" smtClean="0">
-                <a:ln>
-                  <a:noFill/>
-                </a:ln>
-                <a:solidFill>
-                  <a:srgbClr val="000000"/>
-                </a:solidFill>
-                <a:effectLst/>
-                <a:latin typeface="Arial" pitchFamily="34" charset="0"/>
-                <a:ea typeface="Times New Roman" pitchFamily="18" charset="0"/>
-                <a:cs typeface="Arial" pitchFamily="34" charset="0"/>
-              </a:rPr>
-              <a:t>SWD;DEVONIAN</a:t>
-            </a:r>
-            <a:r>
-              <a:rPr kumimoji="0" lang="en-US" altLang="zh-CN" sz="1400" b="0" i="0" u="none" strike="noStrike" cap="none" normalizeH="0" baseline="0" dirty="0" smtClean="0">
-                <a:ln>
-                  <a:noFill/>
-                </a:ln>
-                <a:solidFill>
-                  <a:srgbClr val="000000"/>
-                </a:solidFill>
-                <a:effectLst/>
-                <a:latin typeface="Arial" pitchFamily="34" charset="0"/>
-                <a:ea typeface="Times New Roman" pitchFamily="18" charset="0"/>
-                <a:cs typeface="Arial" pitchFamily="34" charset="0"/>
-              </a:rPr>
-              <a:t> doesn't production corresponding oil and gas, which is out of top 10 oil and </a:t>
-            </a:r>
-            <a:r>
-              <a:rPr kumimoji="0" lang="en-US" altLang="zh-CN" sz="1400" b="0" i="0" u="none" strike="noStrike" cap="none" normalizeH="0" baseline="0" dirty="0" smtClean="0">
-                <a:ln>
-                  <a:noFill/>
-                </a:ln>
-                <a:solidFill>
-                  <a:srgbClr val="000000"/>
-                </a:solidFill>
-                <a:effectLst/>
-                <a:latin typeface="Arial" pitchFamily="34" charset="0"/>
-                <a:ea typeface="Times New Roman" pitchFamily="18" charset="0"/>
-                <a:cs typeface="Arial" pitchFamily="34" charset="0"/>
-              </a:rPr>
-              <a:t>gas</a:t>
+              <a:t> doesn't production corresponding oil and gas, which is out of top 10 oil and gas</a:t>
             </a:r>
             <a:r>
               <a:rPr kumimoji="0" lang="en-US" altLang="zh-CN" sz="1400" b="0" i="0" u="none" strike="noStrike" cap="none" normalizeH="0" dirty="0" smtClean="0">
@@ -10234,22 +10139,7 @@
                 <a:ea typeface="Times New Roman" pitchFamily="18" charset="0"/>
                 <a:cs typeface="Arial" pitchFamily="34" charset="0"/>
               </a:rPr>
-              <a:t>The </a:t>
-            </a:r>
-            <a:r>
-              <a:rPr kumimoji="0" lang="en-US" altLang="zh-CN" sz="1400" b="0" i="0" u="none" strike="noStrike" cap="none" normalizeH="0" baseline="0" dirty="0" smtClean="0">
-                <a:ln>
-                  <a:noFill/>
-                </a:ln>
-                <a:solidFill>
-                  <a:srgbClr val="000000"/>
-                </a:solidFill>
-                <a:effectLst/>
-                <a:latin typeface="Arial" pitchFamily="34" charset="0"/>
-                <a:ea typeface="Times New Roman" pitchFamily="18" charset="0"/>
-                <a:cs typeface="Arial" pitchFamily="34" charset="0"/>
-              </a:rPr>
-              <a:t>No.4 oil and gas production formation </a:t>
+              <a:t>The No.4 oil and gas production formation </a:t>
             </a:r>
             <a:r>
               <a:rPr kumimoji="0" lang="en-US" altLang="zh-CN" sz="1400" b="0" i="1" u="none" strike="noStrike" cap="none" normalizeH="0" baseline="0" dirty="0" smtClean="0">
@@ -10395,15 +10285,7 @@
             </a:r>
             <a:r>
               <a:rPr lang="en-US" sz="2000" dirty="0" smtClean="0"/>
-              <a:t>well </a:t>
-            </a:r>
-            <a:r>
-              <a:rPr lang="en-US" sz="2000" dirty="0" smtClean="0"/>
-              <a:t> types</a:t>
-            </a:r>
-            <a:r>
-              <a:rPr lang="en-US" sz="2000" dirty="0" smtClean="0"/>
-              <a:t> </a:t>
+              <a:t>well  types </a:t>
             </a:r>
             <a:r>
               <a:rPr lang="en-US" sz="2000" dirty="0"/>
@@ -11246,7 +11128,11 @@
             </a:r>
             <a:r>
               <a:rPr lang="en-US" sz="1400" dirty="0" smtClean="0"/>
-              <a:t> study  from drilling, completion to start production to optimize well planning</a:t>
+              <a:t> </a:t>
+            </a:r>
+            <a:r>
+              <a:rPr lang="en-US" sz="1400" dirty="0" smtClean="0"/>
+              <a:t>from drilling, completion to start production to optimize well planning</a:t>
             </a:r>
             <a:endParaRPr lang="en-US" sz="1400" dirty="0"/>
           </a:p>
@@ -13801,7 +13687,6 @@
               <a:rPr lang="en-US" sz="1400" dirty="0"/>
               <a:t>is a positive linear relationship between the total number of major and minor incidents from each operator. COG OPERATING LLC and EOG Y RESOURCES,INC. are the first two operators cause most of incidents in New Mexico.</a:t>
             </a:r>
-            <a:endParaRPr lang="en-US" sz="1400" dirty="0"/>
           </a:p>
         </p:txBody>
       </p:sp>
@@ -13919,7 +13804,6 @@
               <a:rPr lang="en-US" b="1" dirty="0"/>
               <a:t>Machine Learning </a:t>
             </a:r>
-            <a:endParaRPr lang="en-US" b="1" dirty="0"/>
           </a:p>
         </p:txBody>
       </p:sp>
@@ -14098,7 +13982,6 @@
               <a:rPr lang="en-US" sz="1400" dirty="0"/>
               <a:t>impacted or not.</a:t>
             </a:r>
-            <a:endParaRPr lang="en-US" sz="1400" dirty="0"/>
           </a:p>
         </p:txBody>
       </p:sp>
@@ -14281,7 +14164,6 @@
               <a:rPr lang="en-US" sz="1400" dirty="0"/>
               <a:t>=5</a:t>
             </a:r>
-            <a:endParaRPr lang="en-US" sz="1400" dirty="0"/>
           </a:p>
         </p:txBody>
       </p:sp>
@@ -15411,11 +15293,7 @@
             </a:r>
             <a:r>
               <a:rPr lang="en-US" sz="1400" dirty="0"/>
-              <a:t>missing values as </a:t>
-            </a:r>
-            <a:r>
-              <a:rPr lang="en-US" sz="1400" dirty="0"/>
-              <a:t> </a:t>
+              <a:t>missing values as  </a:t>
             </a:r>
             <a:r>
               <a:rPr lang="en-US" sz="1400" dirty="0" err="1" smtClean="0"/>
@@ -17620,7 +17498,18 @@
                 <a:ea typeface="Times New Roman" pitchFamily="18" charset="0"/>
                 <a:cs typeface="Calibri" pitchFamily="34" charset="0"/>
               </a:rPr>
-              <a:t> </a:t>
+              <a:t> of active oil wells </a:t>
+            </a:r>
+            <a:r>
+              <a:rPr lang="en-US" altLang="en-US" sz="1400" dirty="0" smtClean="0">
+                <a:solidFill>
+                  <a:srgbClr val="000000"/>
+                </a:solidFill>
+                <a:latin typeface="Arial" pitchFamily="34" charset="0"/>
+                <a:ea typeface="Times New Roman" pitchFamily="18" charset="0"/>
+                <a:cs typeface="Calibri" pitchFamily="34" charset="0"/>
+              </a:rPr>
+              <a:t>keeps constant</a:t>
             </a:r>
             <a:r>
               <a:rPr kumimoji="0" lang="en-US" altLang="en-US" sz="1400" b="0" i="0" u="none" strike="noStrike" cap="none" normalizeH="0" baseline="0" dirty="0" smtClean="0">
@@ -17635,76 +17524,8 @@
                 <a:ea typeface="Times New Roman" pitchFamily="18" charset="0"/>
                 <a:cs typeface="Calibri" pitchFamily="34" charset="0"/>
               </a:rPr>
-              <a:t>of active oil wells </a:t>
-            </a:r>
-            <a:r>
-              <a:rPr lang="en-US" altLang="en-US" sz="1400" dirty="0" smtClean="0">
-                <a:solidFill>
-                  <a:srgbClr val="000000"/>
-                </a:solidFill>
-                <a:latin typeface="Arial" pitchFamily="34" charset="0"/>
-                <a:ea typeface="Times New Roman" pitchFamily="18" charset="0"/>
-                <a:cs typeface="Calibri" pitchFamily="34" charset="0"/>
-              </a:rPr>
-              <a:t>keeps constant</a:t>
-            </a:r>
-            <a:r>
-              <a:rPr kumimoji="0" lang="en-US" altLang="en-US" sz="1400" b="0" i="0" u="none" strike="noStrike" cap="none" normalizeH="0" baseline="0" dirty="0" smtClean="0">
-                <a:ln>
-                  <a:noFill/>
-                </a:ln>
-                <a:solidFill>
-                  <a:srgbClr val="000000"/>
-                </a:solidFill>
-                <a:effectLst/>
-                <a:latin typeface="Arial" pitchFamily="34" charset="0"/>
-                <a:ea typeface="Times New Roman" pitchFamily="18" charset="0"/>
-                <a:cs typeface="Calibri" pitchFamily="34" charset="0"/>
-              </a:rPr>
-              <a:t> </a:t>
-            </a:r>
-            <a:r>
-              <a:rPr kumimoji="0" lang="en-US" altLang="en-US" sz="1400" b="0" i="0" u="none" strike="noStrike" cap="none" normalizeH="0" baseline="0" dirty="0" smtClean="0">
-                <a:ln>
-                  <a:noFill/>
-                </a:ln>
-                <a:solidFill>
-                  <a:srgbClr val="000000"/>
-                </a:solidFill>
-                <a:effectLst/>
-                <a:latin typeface="Arial" pitchFamily="34" charset="0"/>
-                <a:ea typeface="Times New Roman" pitchFamily="18" charset="0"/>
-                <a:cs typeface="Calibri" pitchFamily="34" charset="0"/>
-              </a:rPr>
-              <a:t>since </a:t>
-            </a:r>
-            <a:r>
-              <a:rPr kumimoji="0" lang="en-US" altLang="en-US" sz="1400" b="0" i="0" u="none" strike="noStrike" cap="none" normalizeH="0" baseline="0" dirty="0" smtClean="0">
-                <a:ln>
-                  <a:noFill/>
-                </a:ln>
-                <a:solidFill>
-                  <a:srgbClr val="000000"/>
-                </a:solidFill>
-                <a:effectLst/>
-                <a:latin typeface="Arial" pitchFamily="34" charset="0"/>
-                <a:ea typeface="Times New Roman" pitchFamily="18" charset="0"/>
-                <a:cs typeface="Calibri" pitchFamily="34" charset="0"/>
-              </a:rPr>
-              <a:t>2012</a:t>
-            </a:r>
-            <a:endParaRPr kumimoji="0" lang="en-US" altLang="en-US" sz="1400" b="0" i="0" u="none" strike="noStrike" cap="none" normalizeH="0" baseline="0" dirty="0" smtClean="0">
-              <a:ln>
-                <a:noFill/>
-              </a:ln>
-              <a:solidFill>
-                <a:srgbClr val="000000"/>
-              </a:solidFill>
-              <a:effectLst/>
-              <a:latin typeface="Arial" pitchFamily="34" charset="0"/>
-              <a:ea typeface="Times New Roman" pitchFamily="18" charset="0"/>
-              <a:cs typeface="Calibri" pitchFamily="34" charset="0"/>
-            </a:endParaRPr>
+              <a:t> since 2012</a:t>
+            </a:r>
           </a:p>
           <a:p>
             <a:pPr marL="285750" marR="0" lvl="0" indent="-285750" algn="l" defTabSz="914400" rtl="0" eaLnBrk="1" fontAlgn="base" latinLnBrk="0" hangingPunct="1">
@@ -18450,37 +18271,7 @@
                 <a:ea typeface="Calibri" pitchFamily="34" charset="0"/>
                 <a:cs typeface="Calibri" pitchFamily="34" charset="0"/>
               </a:rPr>
-              <a:t> increased from 0 to 5.5k since </a:t>
-            </a:r>
-            <a:r>
-              <a:rPr kumimoji="0" lang="en-US" altLang="en-US" sz="1400" b="0" i="0" u="none" strike="noStrike" cap="none" normalizeH="0" baseline="0" dirty="0" smtClean="0">
-                <a:ln>
-                  <a:noFill/>
-                </a:ln>
-                <a:solidFill>
-                  <a:schemeClr val="tx1"/>
-                </a:solidFill>
-                <a:effectLst/>
-                <a:latin typeface="Arial" pitchFamily="34" charset="0"/>
-                <a:ea typeface="Calibri" pitchFamily="34" charset="0"/>
-                <a:cs typeface="Calibri" pitchFamily="34" charset="0"/>
-              </a:rPr>
-              <a:t>2000</a:t>
-            </a:r>
-            <a:r>
-              <a:rPr kumimoji="0" lang="en-US" altLang="en-US" sz="1400" b="0" i="0" u="none" strike="noStrike" cap="none" normalizeH="0" baseline="0" dirty="0" smtClean="0">
-                <a:ln>
-                  <a:noFill/>
-                </a:ln>
-                <a:solidFill>
-                  <a:schemeClr val="tx1"/>
-                </a:solidFill>
-                <a:effectLst/>
-                <a:latin typeface="Arial" pitchFamily="34" charset="0"/>
-                <a:ea typeface="Calibri" pitchFamily="34" charset="0"/>
-                <a:cs typeface="Calibri" pitchFamily="34" charset="0"/>
-              </a:rPr>
-              <a:t>.</a:t>
+              <a:t> increased from 0 to 5.5k since 2000.</a:t>
             </a:r>
             <a:endParaRPr lang="en-US" altLang="en-US" sz="1400" dirty="0">
               <a:latin typeface="Arial" pitchFamily="34" charset="0"/>

--- a/capstone_project1_New_Mexico_Well_Oil_Gas_Spill_Incidents.pptx
+++ b/capstone_project1_New_Mexico_Well_Oil_Gas_Spill_Incidents.pptx
@@ -5,7 +5,7 @@
     <p:sldMasterId id="2147483648" r:id="rId1"/>
   </p:sldMasterIdLst>
   <p:notesMasterIdLst>
-    <p:notesMasterId r:id="rId47"/>
+    <p:notesMasterId r:id="rId48"/>
   </p:notesMasterIdLst>
   <p:sldIdLst>
     <p:sldId id="258" r:id="rId2"/>
@@ -44,15 +44,16 @@
     <p:sldId id="285" r:id="rId35"/>
     <p:sldId id="286" r:id="rId36"/>
     <p:sldId id="287" r:id="rId37"/>
-    <p:sldId id="288" r:id="rId38"/>
-    <p:sldId id="289" r:id="rId39"/>
-    <p:sldId id="290" r:id="rId40"/>
-    <p:sldId id="291" r:id="rId41"/>
-    <p:sldId id="292" r:id="rId42"/>
-    <p:sldId id="293" r:id="rId43"/>
-    <p:sldId id="294" r:id="rId44"/>
-    <p:sldId id="300" r:id="rId45"/>
-    <p:sldId id="301" r:id="rId46"/>
+    <p:sldId id="302" r:id="rId38"/>
+    <p:sldId id="288" r:id="rId39"/>
+    <p:sldId id="289" r:id="rId40"/>
+    <p:sldId id="290" r:id="rId41"/>
+    <p:sldId id="291" r:id="rId42"/>
+    <p:sldId id="292" r:id="rId43"/>
+    <p:sldId id="293" r:id="rId44"/>
+    <p:sldId id="294" r:id="rId45"/>
+    <p:sldId id="300" r:id="rId46"/>
+    <p:sldId id="301" r:id="rId47"/>
   </p:sldIdLst>
   <p:sldSz cx="9144000" cy="6858000" type="screen4x3"/>
   <p:notesSz cx="6858000" cy="9144000"/>
@@ -236,7 +237,7 @@
           <a:p>
             <a:fld id="{D32337CF-FC56-419D-B15F-114497CB74BD}" type="datetimeFigureOut">
               <a:rPr lang="en-US" smtClean="0"/>
-              <a:t>3/19/2019</a:t>
+              <a:t>3/27/2019</a:t>
             </a:fld>
             <a:endParaRPr lang="en-US"/>
           </a:p>
@@ -937,7 +938,7 @@
           <a:p>
             <a:fld id="{7FD9D7F2-5E27-4353-9CFF-22D511A79966}" type="datetime1">
               <a:rPr lang="en-US" smtClean="0"/>
-              <a:t>3/19/2019</a:t>
+              <a:t>3/27/2019</a:t>
             </a:fld>
             <a:endParaRPr lang="en-US"/>
           </a:p>
@@ -1103,7 +1104,7 @@
           <a:p>
             <a:fld id="{00F8D451-1573-4E22-8613-74D40ED4718F}" type="datetime1">
               <a:rPr lang="en-US" smtClean="0"/>
-              <a:t>3/19/2019</a:t>
+              <a:t>3/27/2019</a:t>
             </a:fld>
             <a:endParaRPr lang="en-US"/>
           </a:p>
@@ -1279,7 +1280,7 @@
           <a:p>
             <a:fld id="{DDDBD9B1-6037-454E-8ECD-B90D20789FC0}" type="datetime1">
               <a:rPr lang="en-US" smtClean="0"/>
-              <a:t>3/19/2019</a:t>
+              <a:t>3/27/2019</a:t>
             </a:fld>
             <a:endParaRPr lang="en-US"/>
           </a:p>
@@ -1445,7 +1446,7 @@
           <a:p>
             <a:fld id="{E7350832-357C-408F-88CF-287ACC7527A4}" type="datetime1">
               <a:rPr lang="en-US" smtClean="0"/>
-              <a:t>3/19/2019</a:t>
+              <a:t>3/27/2019</a:t>
             </a:fld>
             <a:endParaRPr lang="en-US"/>
           </a:p>
@@ -1687,7 +1688,7 @@
           <a:p>
             <a:fld id="{F89ABB20-4D11-4731-86AC-0105CE502771}" type="datetime1">
               <a:rPr lang="en-US" smtClean="0"/>
-              <a:t>3/19/2019</a:t>
+              <a:t>3/27/2019</a:t>
             </a:fld>
             <a:endParaRPr lang="en-US"/>
           </a:p>
@@ -1971,7 +1972,7 @@
           <a:p>
             <a:fld id="{7A9D3B85-79D5-494A-A9C9-AD15F6C1C7EA}" type="datetime1">
               <a:rPr lang="en-US" smtClean="0"/>
-              <a:t>3/19/2019</a:t>
+              <a:t>3/27/2019</a:t>
             </a:fld>
             <a:endParaRPr lang="en-US"/>
           </a:p>
@@ -2389,7 +2390,7 @@
           <a:p>
             <a:fld id="{5E4DF56F-D63E-44B1-9C48-2F12C8A5B96E}" type="datetime1">
               <a:rPr lang="en-US" smtClean="0"/>
-              <a:t>3/19/2019</a:t>
+              <a:t>3/27/2019</a:t>
             </a:fld>
             <a:endParaRPr lang="en-US"/>
           </a:p>
@@ -2503,7 +2504,7 @@
           <a:p>
             <a:fld id="{720929CE-8E8E-4A6D-A39B-1C73674D309C}" type="datetime1">
               <a:rPr lang="en-US" smtClean="0"/>
-              <a:t>3/19/2019</a:t>
+              <a:t>3/27/2019</a:t>
             </a:fld>
             <a:endParaRPr lang="en-US"/>
           </a:p>
@@ -2594,7 +2595,7 @@
           <a:p>
             <a:fld id="{29F16BA8-12C5-4CAC-A90F-1D9F3797C8BD}" type="datetime1">
               <a:rPr lang="en-US" smtClean="0"/>
-              <a:t>3/19/2019</a:t>
+              <a:t>3/27/2019</a:t>
             </a:fld>
             <a:endParaRPr lang="en-US"/>
           </a:p>
@@ -2867,7 +2868,7 @@
           <a:p>
             <a:fld id="{4105F482-B4F7-422F-9CCB-8AF4F63871B7}" type="datetime1">
               <a:rPr lang="en-US" smtClean="0"/>
-              <a:t>3/19/2019</a:t>
+              <a:t>3/27/2019</a:t>
             </a:fld>
             <a:endParaRPr lang="en-US"/>
           </a:p>
@@ -3116,7 +3117,7 @@
           <a:p>
             <a:fld id="{21A4D602-A173-40FF-9835-1953B308BEA8}" type="datetime1">
               <a:rPr lang="en-US" smtClean="0"/>
-              <a:t>3/19/2019</a:t>
+              <a:t>3/27/2019</a:t>
             </a:fld>
             <a:endParaRPr lang="en-US"/>
           </a:p>
@@ -3325,7 +3326,7 @@
           <a:p>
             <a:fld id="{245C9854-8CD7-4987-82E2-E0A4748330D3}" type="datetime1">
               <a:rPr lang="en-US" smtClean="0"/>
-              <a:t>3/19/2019</a:t>
+              <a:t>3/27/2019</a:t>
             </a:fld>
             <a:endParaRPr lang="en-US"/>
           </a:p>
@@ -11128,11 +11129,7 @@
             </a:r>
             <a:r>
               <a:rPr lang="en-US" sz="1400" dirty="0" smtClean="0"/>
-              <a:t> </a:t>
-            </a:r>
-            <a:r>
-              <a:rPr lang="en-US" sz="1400" dirty="0" smtClean="0"/>
-              <a:t>from drilling, completion to start production to optimize well planning</a:t>
+              <a:t> from drilling, completion to start production to optimize well planning</a:t>
             </a:r>
             <a:endParaRPr lang="en-US" sz="1400" dirty="0"/>
           </a:p>
@@ -14252,6 +14249,144 @@
           <a:chExt cx="0" cy="0"/>
         </a:xfrm>
       </p:grpSpPr>
+      <p:sp>
+        <p:nvSpPr>
+          <p:cNvPr id="2" name="Slide Number Placeholder 1"/>
+          <p:cNvSpPr>
+            <a:spLocks noGrp="1"/>
+          </p:cNvSpPr>
+          <p:nvPr>
+            <p:ph type="sldNum" sz="quarter" idx="12"/>
+          </p:nvPr>
+        </p:nvSpPr>
+        <p:spPr/>
+        <p:txBody>
+          <a:bodyPr/>
+          <a:lstStyle/>
+          <a:p>
+            <a:fld id="{B6F15528-21DE-4FAA-801E-634DDDAF4B2B}" type="slidenum">
+              <a:rPr lang="en-US" smtClean="0"/>
+              <a:pPr/>
+              <a:t>37</a:t>
+            </a:fld>
+            <a:endParaRPr lang="en-US"/>
+          </a:p>
+        </p:txBody>
+      </p:sp>
+      <p:pic>
+        <p:nvPicPr>
+          <p:cNvPr id="1026" name="Picture 2"/>
+          <p:cNvPicPr>
+            <a:picLocks noChangeAspect="1" noChangeArrowheads="1"/>
+          </p:cNvPicPr>
+          <p:nvPr/>
+        </p:nvPicPr>
+        <p:blipFill>
+          <a:blip r:embed="rId2">
+            <a:extLst>
+              <a:ext uri="{28A0092B-C50C-407E-A947-70E740481C1C}">
+                <a14:useLocalDpi xmlns:a14="http://schemas.microsoft.com/office/drawing/2010/main" val="0"/>
+              </a:ext>
+            </a:extLst>
+          </a:blip>
+          <a:srcRect/>
+          <a:stretch>
+            <a:fillRect/>
+          </a:stretch>
+        </p:blipFill>
+        <p:spPr bwMode="auto">
+          <a:xfrm>
+            <a:off x="914400" y="1295400"/>
+            <a:ext cx="7440561" cy="5369477"/>
+          </a:xfrm>
+          <a:prstGeom prst="rect">
+            <a:avLst/>
+          </a:prstGeom>
+          <a:noFill/>
+          <a:ln>
+            <a:noFill/>
+          </a:ln>
+          <a:extLst>
+            <a:ext uri="{909E8E84-426E-40DD-AFC4-6F175D3DCCD1}">
+              <a14:hiddenFill xmlns:a14="http://schemas.microsoft.com/office/drawing/2010/main">
+                <a:solidFill>
+                  <a:schemeClr val="accent1"/>
+                </a:solidFill>
+              </a14:hiddenFill>
+            </a:ext>
+            <a:ext uri="{91240B29-F687-4F45-9708-019B960494DF}">
+              <a14:hiddenLine xmlns:a14="http://schemas.microsoft.com/office/drawing/2010/main" w="9525">
+                <a:solidFill>
+                  <a:schemeClr val="tx1"/>
+                </a:solidFill>
+                <a:miter lim="800000"/>
+                <a:headEnd/>
+                <a:tailEnd/>
+              </a14:hiddenLine>
+            </a:ext>
+          </a:extLst>
+        </p:spPr>
+      </p:pic>
+      <p:sp>
+        <p:nvSpPr>
+          <p:cNvPr id="4" name="TextBox 3"/>
+          <p:cNvSpPr txBox="1"/>
+          <p:nvPr/>
+        </p:nvSpPr>
+        <p:spPr>
+          <a:xfrm>
+            <a:off x="685800" y="762000"/>
+            <a:ext cx="2815386" cy="369332"/>
+          </a:xfrm>
+          <a:prstGeom prst="rect">
+            <a:avLst/>
+          </a:prstGeom>
+          <a:noFill/>
+        </p:spPr>
+        <p:txBody>
+          <a:bodyPr wrap="none" rtlCol="0">
+            <a:spAutoFit/>
+          </a:bodyPr>
+          <a:lstStyle/>
+          <a:p>
+            <a:r>
+              <a:rPr lang="en-US" dirty="0" smtClean="0"/>
+              <a:t>Incident feature importance</a:t>
+            </a:r>
+            <a:endParaRPr lang="en-US" dirty="0"/>
+          </a:p>
+        </p:txBody>
+      </p:sp>
+    </p:spTree>
+    <p:extLst>
+      <p:ext uri="{BB962C8B-B14F-4D97-AF65-F5344CB8AC3E}">
+        <p14:creationId xmlns:p14="http://schemas.microsoft.com/office/powerpoint/2010/main" val="1286998523"/>
+      </p:ext>
+    </p:extLst>
+  </p:cSld>
+  <p:clrMapOvr>
+    <a:masterClrMapping/>
+  </p:clrMapOvr>
+</p:sld>
+</file>
+
+<file path=ppt/slides/slide38.xml><?xml version="1.0" encoding="utf-8"?>
+<p:sld xmlns:a="http://schemas.openxmlformats.org/drawingml/2006/main" xmlns:r="http://schemas.openxmlformats.org/officeDocument/2006/relationships" xmlns:p="http://schemas.openxmlformats.org/presentationml/2006/main">
+  <p:cSld>
+    <p:spTree>
+      <p:nvGrpSpPr>
+        <p:cNvPr id="1" name=""/>
+        <p:cNvGrpSpPr/>
+        <p:nvPr/>
+      </p:nvGrpSpPr>
+      <p:grpSpPr>
+        <a:xfrm>
+          <a:off x="0" y="0"/>
+          <a:ext cx="0" cy="0"/>
+          <a:chOff x="0" y="0"/>
+          <a:chExt cx="0" cy="0"/>
+        </a:xfrm>
+      </p:grpSpPr>
       <p:pic>
         <p:nvPicPr>
           <p:cNvPr id="4098" name="Picture 2"/>
@@ -14526,7 +14661,7 @@
             <a:fld id="{B6F15528-21DE-4FAA-801E-634DDDAF4B2B}" type="slidenum">
               <a:rPr lang="en-US" smtClean="0"/>
               <a:pPr/>
-              <a:t>37</a:t>
+              <a:t>38</a:t>
             </a:fld>
             <a:endParaRPr lang="en-US"/>
           </a:p>
@@ -14552,7 +14687,7 @@
 </p:sld>
 </file>
 
-<file path=ppt/slides/slide38.xml><?xml version="1.0" encoding="utf-8"?>
+<file path=ppt/slides/slide39.xml><?xml version="1.0" encoding="utf-8"?>
 <p:sld xmlns:a="http://schemas.openxmlformats.org/drawingml/2006/main" xmlns:r="http://schemas.openxmlformats.org/officeDocument/2006/relationships" xmlns:p="http://schemas.openxmlformats.org/presentationml/2006/main">
   <p:cSld>
     <p:spTree>
@@ -14732,7 +14867,7 @@
             <a:fld id="{B6F15528-21DE-4FAA-801E-634DDDAF4B2B}" type="slidenum">
               <a:rPr lang="en-US" smtClean="0"/>
               <a:pPr/>
-              <a:t>38</a:t>
+              <a:t>39</a:t>
             </a:fld>
             <a:endParaRPr lang="en-US"/>
           </a:p>
@@ -14758,7 +14893,335 @@
 </p:sld>
 </file>
 
-<file path=ppt/slides/slide39.xml><?xml version="1.0" encoding="utf-8"?>
+<file path=ppt/slides/slide4.xml><?xml version="1.0" encoding="utf-8"?>
+<p:sld xmlns:a="http://schemas.openxmlformats.org/drawingml/2006/main" xmlns:r="http://schemas.openxmlformats.org/officeDocument/2006/relationships" xmlns:p="http://schemas.openxmlformats.org/presentationml/2006/main">
+  <p:cSld>
+    <p:spTree>
+      <p:nvGrpSpPr>
+        <p:cNvPr id="1" name=""/>
+        <p:cNvGrpSpPr/>
+        <p:nvPr/>
+      </p:nvGrpSpPr>
+      <p:grpSpPr>
+        <a:xfrm>
+          <a:off x="0" y="0"/>
+          <a:ext cx="0" cy="0"/>
+          <a:chOff x="0" y="0"/>
+          <a:chExt cx="0" cy="0"/>
+        </a:xfrm>
+      </p:grpSpPr>
+      <p:sp>
+        <p:nvSpPr>
+          <p:cNvPr id="2" name="Rectangle 1"/>
+          <p:cNvSpPr/>
+          <p:nvPr/>
+        </p:nvSpPr>
+        <p:spPr>
+          <a:xfrm>
+            <a:off x="533400" y="1216222"/>
+            <a:ext cx="4572000" cy="307777"/>
+          </a:xfrm>
+          <a:prstGeom prst="rect">
+            <a:avLst/>
+          </a:prstGeom>
+        </p:spPr>
+        <p:txBody>
+          <a:bodyPr>
+            <a:spAutoFit/>
+          </a:bodyPr>
+          <a:lstStyle/>
+          <a:p>
+            <a:r>
+              <a:rPr lang="en-US" sz="1400" i="1" dirty="0"/>
+              <a:t>pool, </a:t>
+            </a:r>
+            <a:r>
+              <a:rPr lang="en-US" sz="1400" i="1" dirty="0" err="1"/>
+              <a:t>wchistory</a:t>
+            </a:r>
+            <a:r>
+              <a:rPr lang="en-US" sz="1400" i="1" dirty="0"/>
+              <a:t>, </a:t>
+            </a:r>
+            <a:r>
+              <a:rPr lang="en-US" sz="1400" i="1" dirty="0" err="1"/>
+              <a:t>wellhistory</a:t>
+            </a:r>
+            <a:r>
+              <a:rPr lang="en-US" sz="1400" i="1" dirty="0"/>
+              <a:t>, </a:t>
+            </a:r>
+            <a:r>
+              <a:rPr lang="en-US" sz="1400" i="1" dirty="0" err="1"/>
+              <a:t>wcinjection</a:t>
+            </a:r>
+            <a:r>
+              <a:rPr lang="en-US" sz="1400" i="1" dirty="0"/>
+              <a:t>, </a:t>
+            </a:r>
+            <a:r>
+              <a:rPr lang="en-US" sz="1400" i="1" dirty="0" err="1" smtClean="0"/>
+              <a:t>wcproduction</a:t>
+            </a:r>
+            <a:r>
+              <a:rPr lang="en-US" sz="1400" dirty="0" smtClean="0"/>
+              <a:t>, </a:t>
+            </a:r>
+            <a:r>
+              <a:rPr lang="en-US" sz="1400" i="1" dirty="0"/>
+              <a:t>spills</a:t>
+            </a:r>
+            <a:endParaRPr lang="en-US" sz="1400" dirty="0"/>
+          </a:p>
+        </p:txBody>
+      </p:sp>
+      <p:sp>
+        <p:nvSpPr>
+          <p:cNvPr id="3" name="Rectangle 2"/>
+          <p:cNvSpPr/>
+          <p:nvPr/>
+        </p:nvSpPr>
+        <p:spPr>
+          <a:xfrm>
+            <a:off x="990600" y="1676400"/>
+            <a:ext cx="4572000" cy="1384995"/>
+          </a:xfrm>
+          <a:prstGeom prst="rect">
+            <a:avLst/>
+          </a:prstGeom>
+        </p:spPr>
+        <p:txBody>
+          <a:bodyPr>
+            <a:spAutoFit/>
+          </a:bodyPr>
+          <a:lstStyle/>
+          <a:p>
+            <a:pPr marL="285750" indent="-285750">
+              <a:buFont typeface="Wingdings" panose="05000000000000000000" pitchFamily="2" charset="2"/>
+              <a:buChar char="§"/>
+            </a:pPr>
+            <a:r>
+              <a:rPr lang="en-US" sz="1400" dirty="0"/>
+              <a:t>C</a:t>
+            </a:r>
+            <a:r>
+              <a:rPr lang="en-US" sz="1400" dirty="0" smtClean="0"/>
+              <a:t>ombine </a:t>
+            </a:r>
+            <a:r>
+              <a:rPr lang="en-US" sz="1400" dirty="0"/>
+              <a:t>related columns into one </a:t>
+            </a:r>
+            <a:r>
+              <a:rPr lang="en-US" sz="1400" dirty="0" smtClean="0"/>
+              <a:t>column, </a:t>
+            </a:r>
+            <a:r>
+              <a:rPr lang="en-US" sz="1400" dirty="0" err="1" smtClean="0"/>
+              <a:t>api</a:t>
+            </a:r>
+            <a:endParaRPr lang="en-US" sz="1400" dirty="0" smtClean="0"/>
+          </a:p>
+          <a:p>
+            <a:pPr marL="285750" indent="-285750">
+              <a:buFont typeface="Wingdings" panose="05000000000000000000" pitchFamily="2" charset="2"/>
+              <a:buChar char="§"/>
+            </a:pPr>
+            <a:r>
+              <a:rPr lang="en-US" sz="1400" dirty="0" smtClean="0"/>
+              <a:t>Convert date to </a:t>
+            </a:r>
+            <a:r>
+              <a:rPr lang="en-US" sz="1400" dirty="0" err="1" smtClean="0"/>
+              <a:t>datetimeindex</a:t>
+            </a:r>
+            <a:endParaRPr lang="en-US" sz="1400" dirty="0" smtClean="0"/>
+          </a:p>
+          <a:p>
+            <a:pPr marL="285750" indent="-285750">
+              <a:buFont typeface="Wingdings" panose="05000000000000000000" pitchFamily="2" charset="2"/>
+              <a:buChar char="§"/>
+            </a:pPr>
+            <a:r>
+              <a:rPr lang="en-US" sz="1400" dirty="0" smtClean="0"/>
+              <a:t>Select columns </a:t>
+            </a:r>
+            <a:r>
+              <a:rPr lang="en-US" sz="1400" dirty="0"/>
+              <a:t>for further </a:t>
+            </a:r>
+            <a:r>
+              <a:rPr lang="en-US" sz="1400" dirty="0" smtClean="0"/>
+              <a:t>analysis</a:t>
+            </a:r>
+          </a:p>
+          <a:p>
+            <a:pPr marL="285750" indent="-285750">
+              <a:buFont typeface="Wingdings" panose="05000000000000000000" pitchFamily="2" charset="2"/>
+              <a:buChar char="§"/>
+            </a:pPr>
+            <a:r>
+              <a:rPr lang="en-US" sz="1400" dirty="0"/>
+              <a:t>R</a:t>
+            </a:r>
+            <a:r>
+              <a:rPr lang="en-US" sz="1400" dirty="0" smtClean="0"/>
+              <a:t>emove </a:t>
+            </a:r>
+            <a:r>
+              <a:rPr lang="en-US" sz="1400" dirty="0"/>
+              <a:t>trailing </a:t>
+            </a:r>
+            <a:r>
+              <a:rPr lang="en-US" sz="1400" dirty="0" smtClean="0"/>
+              <a:t>spaces</a:t>
+            </a:r>
+          </a:p>
+          <a:p>
+            <a:pPr marL="285750" indent="-285750">
+              <a:buFont typeface="Wingdings" panose="05000000000000000000" pitchFamily="2" charset="2"/>
+              <a:buChar char="§"/>
+            </a:pPr>
+            <a:r>
+              <a:rPr lang="en-US" sz="1400" dirty="0"/>
+              <a:t>R</a:t>
+            </a:r>
+            <a:r>
+              <a:rPr lang="en-US" sz="1400" dirty="0" smtClean="0"/>
+              <a:t>eplace </a:t>
+            </a:r>
+            <a:r>
+              <a:rPr lang="en-US" sz="1400" dirty="0"/>
+              <a:t>missing values as  </a:t>
+            </a:r>
+            <a:r>
+              <a:rPr lang="en-US" sz="1400" dirty="0" err="1" smtClean="0"/>
+              <a:t>NaNs</a:t>
+            </a:r>
+            <a:r>
+              <a:rPr lang="en-US" sz="1400" dirty="0"/>
+              <a:t>, and fill the </a:t>
+            </a:r>
+            <a:r>
+              <a:rPr lang="en-US" sz="1400" dirty="0" err="1" smtClean="0"/>
+              <a:t>NaNs</a:t>
+            </a:r>
+            <a:endParaRPr lang="en-US" sz="1400" dirty="0"/>
+          </a:p>
+          <a:p>
+            <a:pPr marL="285750" indent="-285750">
+              <a:buFont typeface="Wingdings" panose="05000000000000000000" pitchFamily="2" charset="2"/>
+              <a:buChar char="§"/>
+            </a:pPr>
+            <a:r>
+              <a:rPr lang="en-US" sz="1400" dirty="0" smtClean="0"/>
+              <a:t>Check ‘outliers</a:t>
+            </a:r>
+            <a:r>
+              <a:rPr lang="en-US" sz="1400" dirty="0"/>
+              <a:t>’ </a:t>
+            </a:r>
+          </a:p>
+        </p:txBody>
+      </p:sp>
+      <p:sp>
+        <p:nvSpPr>
+          <p:cNvPr id="4" name="Rectangle 3"/>
+          <p:cNvSpPr/>
+          <p:nvPr/>
+        </p:nvSpPr>
+        <p:spPr>
+          <a:xfrm>
+            <a:off x="228600" y="457200"/>
+            <a:ext cx="1658146" cy="369332"/>
+          </a:xfrm>
+          <a:prstGeom prst="rect">
+            <a:avLst/>
+          </a:prstGeom>
+        </p:spPr>
+        <p:txBody>
+          <a:bodyPr wrap="none">
+            <a:spAutoFit/>
+          </a:bodyPr>
+          <a:lstStyle/>
+          <a:p>
+            <a:r>
+              <a:rPr lang="en-US" b="1" dirty="0" smtClean="0"/>
+              <a:t>Data Wrangling</a:t>
+            </a:r>
+            <a:endParaRPr lang="en-US" b="1" dirty="0"/>
+          </a:p>
+        </p:txBody>
+      </p:sp>
+      <p:pic>
+        <p:nvPicPr>
+          <p:cNvPr id="5" name="image17.png"/>
+          <p:cNvPicPr/>
+          <p:nvPr/>
+        </p:nvPicPr>
+        <p:blipFill>
+          <a:blip r:embed="rId2"/>
+          <a:srcRect/>
+          <a:stretch>
+            <a:fillRect/>
+          </a:stretch>
+        </p:blipFill>
+        <p:spPr>
+          <a:xfrm>
+            <a:off x="1247775" y="2971800"/>
+            <a:ext cx="5000625" cy="3733800"/>
+          </a:xfrm>
+          <a:prstGeom prst="rect">
+            <a:avLst/>
+          </a:prstGeom>
+          <a:ln/>
+        </p:spPr>
+      </p:pic>
+      <p:sp>
+        <p:nvSpPr>
+          <p:cNvPr id="6" name="Slide Number Placeholder 5"/>
+          <p:cNvSpPr>
+            <a:spLocks noGrp="1"/>
+          </p:cNvSpPr>
+          <p:nvPr>
+            <p:ph type="sldNum" sz="quarter" idx="12"/>
+          </p:nvPr>
+        </p:nvSpPr>
+        <p:spPr/>
+        <p:txBody>
+          <a:bodyPr/>
+          <a:lstStyle/>
+          <a:p>
+            <a:fld id="{B6F15528-21DE-4FAA-801E-634DDDAF4B2B}" type="slidenum">
+              <a:rPr lang="en-US" smtClean="0"/>
+              <a:pPr/>
+              <a:t>4</a:t>
+            </a:fld>
+            <a:endParaRPr lang="en-US"/>
+          </a:p>
+        </p:txBody>
+      </p:sp>
+    </p:spTree>
+    <p:extLst>
+      <p:ext uri="{BB962C8B-B14F-4D97-AF65-F5344CB8AC3E}">
+        <p14:creationId xmlns:p14="http://schemas.microsoft.com/office/powerpoint/2010/main" val="1028502585"/>
+      </p:ext>
+    </p:extLst>
+  </p:cSld>
+  <p:clrMapOvr>
+    <a:masterClrMapping/>
+  </p:clrMapOvr>
+  <p:timing>
+    <p:tnLst>
+      <p:par>
+        <p:cTn id="1" dur="indefinite" restart="never" nodeType="tmRoot"/>
+      </p:par>
+    </p:tnLst>
+  </p:timing>
+</p:sld>
+</file>
+
+<file path=ppt/slides/slide40.xml><?xml version="1.0" encoding="utf-8"?>
 <p:sld xmlns:a="http://schemas.openxmlformats.org/drawingml/2006/main" xmlns:r="http://schemas.openxmlformats.org/officeDocument/2006/relationships" xmlns:p="http://schemas.openxmlformats.org/presentationml/2006/main">
   <p:cSld>
     <p:spTree>
@@ -15068,7 +15531,7 @@
             <a:fld id="{B6F15528-21DE-4FAA-801E-634DDDAF4B2B}" type="slidenum">
               <a:rPr lang="en-US" smtClean="0"/>
               <a:pPr/>
-              <a:t>39</a:t>
+              <a:t>40</a:t>
             </a:fld>
             <a:endParaRPr lang="en-US"/>
           </a:p>
@@ -15094,335 +15557,7 @@
 </p:sld>
 </file>
 
-<file path=ppt/slides/slide4.xml><?xml version="1.0" encoding="utf-8"?>
-<p:sld xmlns:a="http://schemas.openxmlformats.org/drawingml/2006/main" xmlns:r="http://schemas.openxmlformats.org/officeDocument/2006/relationships" xmlns:p="http://schemas.openxmlformats.org/presentationml/2006/main">
-  <p:cSld>
-    <p:spTree>
-      <p:nvGrpSpPr>
-        <p:cNvPr id="1" name=""/>
-        <p:cNvGrpSpPr/>
-        <p:nvPr/>
-      </p:nvGrpSpPr>
-      <p:grpSpPr>
-        <a:xfrm>
-          <a:off x="0" y="0"/>
-          <a:ext cx="0" cy="0"/>
-          <a:chOff x="0" y="0"/>
-          <a:chExt cx="0" cy="0"/>
-        </a:xfrm>
-      </p:grpSpPr>
-      <p:sp>
-        <p:nvSpPr>
-          <p:cNvPr id="2" name="Rectangle 1"/>
-          <p:cNvSpPr/>
-          <p:nvPr/>
-        </p:nvSpPr>
-        <p:spPr>
-          <a:xfrm>
-            <a:off x="533400" y="1216222"/>
-            <a:ext cx="4572000" cy="307777"/>
-          </a:xfrm>
-          <a:prstGeom prst="rect">
-            <a:avLst/>
-          </a:prstGeom>
-        </p:spPr>
-        <p:txBody>
-          <a:bodyPr>
-            <a:spAutoFit/>
-          </a:bodyPr>
-          <a:lstStyle/>
-          <a:p>
-            <a:r>
-              <a:rPr lang="en-US" sz="1400" i="1" dirty="0"/>
-              <a:t>pool, </a:t>
-            </a:r>
-            <a:r>
-              <a:rPr lang="en-US" sz="1400" i="1" dirty="0" err="1"/>
-              <a:t>wchistory</a:t>
-            </a:r>
-            <a:r>
-              <a:rPr lang="en-US" sz="1400" i="1" dirty="0"/>
-              <a:t>, </a:t>
-            </a:r>
-            <a:r>
-              <a:rPr lang="en-US" sz="1400" i="1" dirty="0" err="1"/>
-              <a:t>wellhistory</a:t>
-            </a:r>
-            <a:r>
-              <a:rPr lang="en-US" sz="1400" i="1" dirty="0"/>
-              <a:t>, </a:t>
-            </a:r>
-            <a:r>
-              <a:rPr lang="en-US" sz="1400" i="1" dirty="0" err="1"/>
-              <a:t>wcinjection</a:t>
-            </a:r>
-            <a:r>
-              <a:rPr lang="en-US" sz="1400" i="1" dirty="0"/>
-              <a:t>, </a:t>
-            </a:r>
-            <a:r>
-              <a:rPr lang="en-US" sz="1400" i="1" dirty="0" err="1" smtClean="0"/>
-              <a:t>wcproduction</a:t>
-            </a:r>
-            <a:r>
-              <a:rPr lang="en-US" sz="1400" dirty="0" smtClean="0"/>
-              <a:t>, </a:t>
-            </a:r>
-            <a:r>
-              <a:rPr lang="en-US" sz="1400" i="1" dirty="0"/>
-              <a:t>spills</a:t>
-            </a:r>
-            <a:endParaRPr lang="en-US" sz="1400" dirty="0"/>
-          </a:p>
-        </p:txBody>
-      </p:sp>
-      <p:sp>
-        <p:nvSpPr>
-          <p:cNvPr id="3" name="Rectangle 2"/>
-          <p:cNvSpPr/>
-          <p:nvPr/>
-        </p:nvSpPr>
-        <p:spPr>
-          <a:xfrm>
-            <a:off x="990600" y="1676400"/>
-            <a:ext cx="4572000" cy="1384995"/>
-          </a:xfrm>
-          <a:prstGeom prst="rect">
-            <a:avLst/>
-          </a:prstGeom>
-        </p:spPr>
-        <p:txBody>
-          <a:bodyPr>
-            <a:spAutoFit/>
-          </a:bodyPr>
-          <a:lstStyle/>
-          <a:p>
-            <a:pPr marL="285750" indent="-285750">
-              <a:buFont typeface="Wingdings" panose="05000000000000000000" pitchFamily="2" charset="2"/>
-              <a:buChar char="§"/>
-            </a:pPr>
-            <a:r>
-              <a:rPr lang="en-US" sz="1400" dirty="0"/>
-              <a:t>C</a:t>
-            </a:r>
-            <a:r>
-              <a:rPr lang="en-US" sz="1400" dirty="0" smtClean="0"/>
-              <a:t>ombine </a:t>
-            </a:r>
-            <a:r>
-              <a:rPr lang="en-US" sz="1400" dirty="0"/>
-              <a:t>related columns into one </a:t>
-            </a:r>
-            <a:r>
-              <a:rPr lang="en-US" sz="1400" dirty="0" smtClean="0"/>
-              <a:t>column, </a:t>
-            </a:r>
-            <a:r>
-              <a:rPr lang="en-US" sz="1400" dirty="0" err="1" smtClean="0"/>
-              <a:t>api</a:t>
-            </a:r>
-            <a:endParaRPr lang="en-US" sz="1400" dirty="0" smtClean="0"/>
-          </a:p>
-          <a:p>
-            <a:pPr marL="285750" indent="-285750">
-              <a:buFont typeface="Wingdings" panose="05000000000000000000" pitchFamily="2" charset="2"/>
-              <a:buChar char="§"/>
-            </a:pPr>
-            <a:r>
-              <a:rPr lang="en-US" sz="1400" dirty="0" smtClean="0"/>
-              <a:t>Convert date to </a:t>
-            </a:r>
-            <a:r>
-              <a:rPr lang="en-US" sz="1400" dirty="0" err="1" smtClean="0"/>
-              <a:t>datetimeindex</a:t>
-            </a:r>
-            <a:endParaRPr lang="en-US" sz="1400" dirty="0" smtClean="0"/>
-          </a:p>
-          <a:p>
-            <a:pPr marL="285750" indent="-285750">
-              <a:buFont typeface="Wingdings" panose="05000000000000000000" pitchFamily="2" charset="2"/>
-              <a:buChar char="§"/>
-            </a:pPr>
-            <a:r>
-              <a:rPr lang="en-US" sz="1400" dirty="0" smtClean="0"/>
-              <a:t>Select columns </a:t>
-            </a:r>
-            <a:r>
-              <a:rPr lang="en-US" sz="1400" dirty="0"/>
-              <a:t>for further </a:t>
-            </a:r>
-            <a:r>
-              <a:rPr lang="en-US" sz="1400" dirty="0" smtClean="0"/>
-              <a:t>analysis</a:t>
-            </a:r>
-          </a:p>
-          <a:p>
-            <a:pPr marL="285750" indent="-285750">
-              <a:buFont typeface="Wingdings" panose="05000000000000000000" pitchFamily="2" charset="2"/>
-              <a:buChar char="§"/>
-            </a:pPr>
-            <a:r>
-              <a:rPr lang="en-US" sz="1400" dirty="0"/>
-              <a:t>R</a:t>
-            </a:r>
-            <a:r>
-              <a:rPr lang="en-US" sz="1400" dirty="0" smtClean="0"/>
-              <a:t>emove </a:t>
-            </a:r>
-            <a:r>
-              <a:rPr lang="en-US" sz="1400" dirty="0"/>
-              <a:t>trailing </a:t>
-            </a:r>
-            <a:r>
-              <a:rPr lang="en-US" sz="1400" dirty="0" smtClean="0"/>
-              <a:t>spaces</a:t>
-            </a:r>
-          </a:p>
-          <a:p>
-            <a:pPr marL="285750" indent="-285750">
-              <a:buFont typeface="Wingdings" panose="05000000000000000000" pitchFamily="2" charset="2"/>
-              <a:buChar char="§"/>
-            </a:pPr>
-            <a:r>
-              <a:rPr lang="en-US" sz="1400" dirty="0"/>
-              <a:t>R</a:t>
-            </a:r>
-            <a:r>
-              <a:rPr lang="en-US" sz="1400" dirty="0" smtClean="0"/>
-              <a:t>eplace </a:t>
-            </a:r>
-            <a:r>
-              <a:rPr lang="en-US" sz="1400" dirty="0"/>
-              <a:t>missing values as  </a:t>
-            </a:r>
-            <a:r>
-              <a:rPr lang="en-US" sz="1400" dirty="0" err="1" smtClean="0"/>
-              <a:t>NaNs</a:t>
-            </a:r>
-            <a:r>
-              <a:rPr lang="en-US" sz="1400" dirty="0"/>
-              <a:t>, and fill the </a:t>
-            </a:r>
-            <a:r>
-              <a:rPr lang="en-US" sz="1400" dirty="0" err="1" smtClean="0"/>
-              <a:t>NaNs</a:t>
-            </a:r>
-            <a:endParaRPr lang="en-US" sz="1400" dirty="0"/>
-          </a:p>
-          <a:p>
-            <a:pPr marL="285750" indent="-285750">
-              <a:buFont typeface="Wingdings" panose="05000000000000000000" pitchFamily="2" charset="2"/>
-              <a:buChar char="§"/>
-            </a:pPr>
-            <a:r>
-              <a:rPr lang="en-US" sz="1400" dirty="0" smtClean="0"/>
-              <a:t>Check ‘outliers</a:t>
-            </a:r>
-            <a:r>
-              <a:rPr lang="en-US" sz="1400" dirty="0"/>
-              <a:t>’ </a:t>
-            </a:r>
-          </a:p>
-        </p:txBody>
-      </p:sp>
-      <p:sp>
-        <p:nvSpPr>
-          <p:cNvPr id="4" name="Rectangle 3"/>
-          <p:cNvSpPr/>
-          <p:nvPr/>
-        </p:nvSpPr>
-        <p:spPr>
-          <a:xfrm>
-            <a:off x="228600" y="457200"/>
-            <a:ext cx="1658146" cy="369332"/>
-          </a:xfrm>
-          <a:prstGeom prst="rect">
-            <a:avLst/>
-          </a:prstGeom>
-        </p:spPr>
-        <p:txBody>
-          <a:bodyPr wrap="none">
-            <a:spAutoFit/>
-          </a:bodyPr>
-          <a:lstStyle/>
-          <a:p>
-            <a:r>
-              <a:rPr lang="en-US" b="1" dirty="0" smtClean="0"/>
-              <a:t>Data Wrangling</a:t>
-            </a:r>
-            <a:endParaRPr lang="en-US" b="1" dirty="0"/>
-          </a:p>
-        </p:txBody>
-      </p:sp>
-      <p:pic>
-        <p:nvPicPr>
-          <p:cNvPr id="5" name="image17.png"/>
-          <p:cNvPicPr/>
-          <p:nvPr/>
-        </p:nvPicPr>
-        <p:blipFill>
-          <a:blip r:embed="rId2"/>
-          <a:srcRect/>
-          <a:stretch>
-            <a:fillRect/>
-          </a:stretch>
-        </p:blipFill>
-        <p:spPr>
-          <a:xfrm>
-            <a:off x="1247775" y="2971800"/>
-            <a:ext cx="5000625" cy="3733800"/>
-          </a:xfrm>
-          <a:prstGeom prst="rect">
-            <a:avLst/>
-          </a:prstGeom>
-          <a:ln/>
-        </p:spPr>
-      </p:pic>
-      <p:sp>
-        <p:nvSpPr>
-          <p:cNvPr id="6" name="Slide Number Placeholder 5"/>
-          <p:cNvSpPr>
-            <a:spLocks noGrp="1"/>
-          </p:cNvSpPr>
-          <p:nvPr>
-            <p:ph type="sldNum" sz="quarter" idx="12"/>
-          </p:nvPr>
-        </p:nvSpPr>
-        <p:spPr/>
-        <p:txBody>
-          <a:bodyPr/>
-          <a:lstStyle/>
-          <a:p>
-            <a:fld id="{B6F15528-21DE-4FAA-801E-634DDDAF4B2B}" type="slidenum">
-              <a:rPr lang="en-US" smtClean="0"/>
-              <a:pPr/>
-              <a:t>4</a:t>
-            </a:fld>
-            <a:endParaRPr lang="en-US"/>
-          </a:p>
-        </p:txBody>
-      </p:sp>
-    </p:spTree>
-    <p:extLst>
-      <p:ext uri="{BB962C8B-B14F-4D97-AF65-F5344CB8AC3E}">
-        <p14:creationId xmlns:p14="http://schemas.microsoft.com/office/powerpoint/2010/main" val="1028502585"/>
-      </p:ext>
-    </p:extLst>
-  </p:cSld>
-  <p:clrMapOvr>
-    <a:masterClrMapping/>
-  </p:clrMapOvr>
-  <p:timing>
-    <p:tnLst>
-      <p:par>
-        <p:cTn id="1" dur="indefinite" restart="never" nodeType="tmRoot"/>
-      </p:par>
-    </p:tnLst>
-  </p:timing>
-</p:sld>
-</file>
-
-<file path=ppt/slides/slide40.xml><?xml version="1.0" encoding="utf-8"?>
+<file path=ppt/slides/slide41.xml><?xml version="1.0" encoding="utf-8"?>
 <p:sld xmlns:a="http://schemas.openxmlformats.org/drawingml/2006/main" xmlns:r="http://schemas.openxmlformats.org/officeDocument/2006/relationships" xmlns:p="http://schemas.openxmlformats.org/presentationml/2006/main">
   <p:cSld>
     <p:spTree>
@@ -15643,7 +15778,7 @@
             <a:fld id="{B6F15528-21DE-4FAA-801E-634DDDAF4B2B}" type="slidenum">
               <a:rPr lang="en-US" smtClean="0"/>
               <a:pPr/>
-              <a:t>40</a:t>
+              <a:t>41</a:t>
             </a:fld>
             <a:endParaRPr lang="en-US"/>
           </a:p>
@@ -15669,7 +15804,7 @@
 </p:sld>
 </file>
 
-<file path=ppt/slides/slide41.xml><?xml version="1.0" encoding="utf-8"?>
+<file path=ppt/slides/slide42.xml><?xml version="1.0" encoding="utf-8"?>
 <p:sld xmlns:a="http://schemas.openxmlformats.org/drawingml/2006/main" xmlns:r="http://schemas.openxmlformats.org/officeDocument/2006/relationships" xmlns:p="http://schemas.openxmlformats.org/presentationml/2006/main">
   <p:cSld>
     <p:spTree>
@@ -15752,7 +15887,7 @@
             <a:fld id="{B6F15528-21DE-4FAA-801E-634DDDAF4B2B}" type="slidenum">
               <a:rPr lang="en-US" smtClean="0"/>
               <a:pPr/>
-              <a:t>41</a:t>
+              <a:t>42</a:t>
             </a:fld>
             <a:endParaRPr lang="en-US"/>
           </a:p>
@@ -15778,7 +15913,7 @@
 </p:sld>
 </file>
 
-<file path=ppt/slides/slide42.xml><?xml version="1.0" encoding="utf-8"?>
+<file path=ppt/slides/slide43.xml><?xml version="1.0" encoding="utf-8"?>
 <p:sld xmlns:a="http://schemas.openxmlformats.org/drawingml/2006/main" xmlns:r="http://schemas.openxmlformats.org/officeDocument/2006/relationships" xmlns:p="http://schemas.openxmlformats.org/presentationml/2006/main">
   <p:cSld>
     <p:spTree>
@@ -15837,7 +15972,7 @@
             <a:fld id="{B6F15528-21DE-4FAA-801E-634DDDAF4B2B}" type="slidenum">
               <a:rPr lang="en-US" smtClean="0"/>
               <a:pPr/>
-              <a:t>42</a:t>
+              <a:t>43</a:t>
             </a:fld>
             <a:endParaRPr lang="en-US"/>
           </a:p>
@@ -15863,7 +15998,7 @@
 </p:sld>
 </file>
 
-<file path=ppt/slides/slide43.xml><?xml version="1.0" encoding="utf-8"?>
+<file path=ppt/slides/slide44.xml><?xml version="1.0" encoding="utf-8"?>
 <p:sld xmlns:a="http://schemas.openxmlformats.org/drawingml/2006/main" xmlns:r="http://schemas.openxmlformats.org/officeDocument/2006/relationships" xmlns:p="http://schemas.openxmlformats.org/presentationml/2006/main">
   <p:cSld>
     <p:spTree>
@@ -16043,7 +16178,7 @@
             <a:fld id="{B6F15528-21DE-4FAA-801E-634DDDAF4B2B}" type="slidenum">
               <a:rPr lang="en-US" smtClean="0"/>
               <a:pPr/>
-              <a:t>43</a:t>
+              <a:t>44</a:t>
             </a:fld>
             <a:endParaRPr lang="en-US"/>
           </a:p>
@@ -16053,265 +16188,6 @@
     <p:extLst>
       <p:ext uri="{BB962C8B-B14F-4D97-AF65-F5344CB8AC3E}">
         <p14:creationId xmlns:p14="http://schemas.microsoft.com/office/powerpoint/2010/main" val="3241042458"/>
-      </p:ext>
-    </p:extLst>
-  </p:cSld>
-  <p:clrMapOvr>
-    <a:masterClrMapping/>
-  </p:clrMapOvr>
-  <p:timing>
-    <p:tnLst>
-      <p:par>
-        <p:cTn id="1" dur="indefinite" restart="never" nodeType="tmRoot"/>
-      </p:par>
-    </p:tnLst>
-  </p:timing>
-</p:sld>
-</file>
-
-<file path=ppt/slides/slide44.xml><?xml version="1.0" encoding="utf-8"?>
-<p:sld xmlns:a="http://schemas.openxmlformats.org/drawingml/2006/main" xmlns:r="http://schemas.openxmlformats.org/officeDocument/2006/relationships" xmlns:p="http://schemas.openxmlformats.org/presentationml/2006/main">
-  <p:cSld>
-    <p:spTree>
-      <p:nvGrpSpPr>
-        <p:cNvPr id="1" name=""/>
-        <p:cNvGrpSpPr/>
-        <p:nvPr/>
-      </p:nvGrpSpPr>
-      <p:grpSpPr>
-        <a:xfrm>
-          <a:off x="0" y="0"/>
-          <a:ext cx="0" cy="0"/>
-          <a:chOff x="0" y="0"/>
-          <a:chExt cx="0" cy="0"/>
-        </a:xfrm>
-      </p:grpSpPr>
-      <p:sp>
-        <p:nvSpPr>
-          <p:cNvPr id="2" name="Rectangle 1"/>
-          <p:cNvSpPr/>
-          <p:nvPr/>
-        </p:nvSpPr>
-        <p:spPr>
-          <a:xfrm>
-            <a:off x="304800" y="1744682"/>
-            <a:ext cx="8382000" cy="3970318"/>
-          </a:xfrm>
-          <a:prstGeom prst="rect">
-            <a:avLst/>
-          </a:prstGeom>
-        </p:spPr>
-        <p:txBody>
-          <a:bodyPr wrap="square">
-            <a:spAutoFit/>
-          </a:bodyPr>
-          <a:lstStyle/>
-          <a:p>
-            <a:pPr marL="285750" lvl="0" indent="-285750">
-              <a:buFont typeface="Wingdings" panose="05000000000000000000" pitchFamily="2" charset="2"/>
-              <a:buChar char="§"/>
-            </a:pPr>
-            <a:r>
-              <a:rPr lang="en-US" sz="1400" dirty="0"/>
-              <a:t>Assuming independent features of the incidents, the </a:t>
-            </a:r>
-            <a:r>
-              <a:rPr lang="en-US" sz="1400" dirty="0" err="1"/>
-              <a:t>KNeighborsClassifier</a:t>
-            </a:r>
-            <a:r>
-              <a:rPr lang="en-US" sz="1400" dirty="0"/>
-              <a:t> model is applied to conduct the supervised classification machine learning. After tuning and cross validating the parameter </a:t>
-            </a:r>
-            <a:r>
-              <a:rPr lang="en-US" sz="1400" dirty="0" err="1"/>
-              <a:t>n_neighbors</a:t>
-            </a:r>
-            <a:r>
-              <a:rPr lang="en-US" sz="1400" dirty="0"/>
-              <a:t>, I get 86.6% accuracy score for train data and 79.9% accuracy score for test data, with the best </a:t>
-            </a:r>
-            <a:r>
-              <a:rPr lang="en-US" sz="1400" dirty="0" err="1"/>
-              <a:t>n_neighbors</a:t>
-            </a:r>
-            <a:r>
-              <a:rPr lang="en-US" sz="1400" dirty="0"/>
-              <a:t>=5. </a:t>
-            </a:r>
-            <a:endParaRPr lang="en-US" sz="1400" dirty="0" smtClean="0"/>
-          </a:p>
-          <a:p>
-            <a:pPr marL="285750" lvl="0" indent="-285750">
-              <a:buFont typeface="Wingdings" panose="05000000000000000000" pitchFamily="2" charset="2"/>
-              <a:buChar char="§"/>
-            </a:pPr>
-            <a:r>
-              <a:rPr lang="en-US" sz="1400" dirty="0" smtClean="0"/>
-              <a:t>From </a:t>
-            </a:r>
-            <a:r>
-              <a:rPr lang="en-US" sz="1400" dirty="0"/>
-              <a:t>the plots of the train data residual distribution and the test data residual distribution, we can see the residual distribution uniformly in 1 and -1 around 0, which further validates the model. </a:t>
-            </a:r>
-            <a:endParaRPr lang="en-US" sz="1400" dirty="0" smtClean="0"/>
-          </a:p>
-          <a:p>
-            <a:pPr marL="285750" lvl="0" indent="-285750">
-              <a:buFont typeface="Wingdings" panose="05000000000000000000" pitchFamily="2" charset="2"/>
-              <a:buChar char="§"/>
-            </a:pPr>
-            <a:r>
-              <a:rPr lang="en-US" sz="1400" dirty="0" smtClean="0"/>
-              <a:t>Then </a:t>
-            </a:r>
-            <a:r>
-              <a:rPr lang="en-US" sz="1400" dirty="0"/>
-              <a:t>apply the trained model to predict the missing incident severity data, and update the initial spills table, and the correlations are re-evaluated among the monthly number of incidents, volume spilled and recovered, severity, incident type, material spilled, cause, source, waterway and groundwater impacted, location distribution, and </a:t>
-            </a:r>
-            <a:r>
-              <a:rPr lang="en-US" sz="1400" dirty="0" smtClean="0"/>
-              <a:t>operators.</a:t>
-            </a:r>
-          </a:p>
-          <a:p>
-            <a:pPr marL="285750" lvl="0" indent="-285750">
-              <a:buFont typeface="Wingdings" panose="05000000000000000000" pitchFamily="2" charset="2"/>
-              <a:buChar char="§"/>
-            </a:pPr>
-            <a:r>
-              <a:rPr lang="en-US" sz="1400" dirty="0" smtClean="0"/>
-              <a:t>After </a:t>
-            </a:r>
-            <a:r>
-              <a:rPr lang="en-US" sz="1400" dirty="0"/>
-              <a:t>updating, there monthly number of incidents increases by 10 to 20/month after 2008, and maximum number of major and minor incidents is more than 120/month in 2016 with more minor incidents than major </a:t>
-            </a:r>
-            <a:r>
-              <a:rPr lang="en-US" sz="1400" dirty="0" smtClean="0"/>
-              <a:t>incidents.</a:t>
-            </a:r>
-          </a:p>
-          <a:p>
-            <a:pPr marL="285750" lvl="0" indent="-285750">
-              <a:buFont typeface="Wingdings" panose="05000000000000000000" pitchFamily="2" charset="2"/>
-              <a:buChar char="§"/>
-            </a:pPr>
-            <a:r>
-              <a:rPr lang="en-US" sz="1400" dirty="0" smtClean="0"/>
-              <a:t>The </a:t>
-            </a:r>
-            <a:r>
-              <a:rPr lang="en-US" sz="1400" dirty="0"/>
-              <a:t>maximum monthly number of minor incidents is more than major incidents after updating the </a:t>
-            </a:r>
-            <a:r>
-              <a:rPr lang="en-US" sz="1400" dirty="0" smtClean="0"/>
-              <a:t>table.</a:t>
-            </a:r>
-          </a:p>
-          <a:p>
-            <a:pPr marL="285750" lvl="0" indent="-285750">
-              <a:buFont typeface="Wingdings" panose="05000000000000000000" pitchFamily="2" charset="2"/>
-              <a:buChar char="§"/>
-            </a:pPr>
-            <a:r>
-              <a:rPr lang="en-US" sz="1400" dirty="0" smtClean="0"/>
-              <a:t>The </a:t>
-            </a:r>
-            <a:r>
-              <a:rPr lang="en-US" sz="1400" dirty="0"/>
-              <a:t>correlation between the number of major and minor incidents and incident type, material spilled, spill cause and spill source is adjusted slightly and reordered on each category. </a:t>
-            </a:r>
-            <a:endParaRPr lang="en-US" sz="1400" dirty="0" smtClean="0"/>
-          </a:p>
-          <a:p>
-            <a:pPr marL="285750" lvl="0" indent="-285750">
-              <a:buFont typeface="Wingdings" panose="05000000000000000000" pitchFamily="2" charset="2"/>
-              <a:buChar char="§"/>
-            </a:pPr>
-            <a:r>
-              <a:rPr lang="en-US" sz="1400" dirty="0" smtClean="0"/>
-              <a:t>The </a:t>
-            </a:r>
-            <a:r>
-              <a:rPr lang="en-US" sz="1400" dirty="0"/>
-              <a:t>number of incidents in each district and county is adjusted slightly. </a:t>
-            </a:r>
-            <a:endParaRPr lang="en-US" sz="1400" dirty="0" smtClean="0"/>
-          </a:p>
-          <a:p>
-            <a:pPr marL="285750" lvl="0" indent="-285750">
-              <a:buFont typeface="Wingdings" panose="05000000000000000000" pitchFamily="2" charset="2"/>
-              <a:buChar char="§"/>
-            </a:pPr>
-            <a:r>
-              <a:rPr lang="en-US" sz="1400" dirty="0" smtClean="0"/>
-              <a:t>The </a:t>
-            </a:r>
-            <a:r>
-              <a:rPr lang="en-US" sz="1400" dirty="0"/>
-              <a:t>total number of minor incidents caused by operator increases after updating the data, for example, COG OPERATING LLC, ENTERPRISE PRODUCTS OPERATING LLC, BP AMERICA PRODUCTION COMPANY.</a:t>
-            </a:r>
-          </a:p>
-        </p:txBody>
-      </p:sp>
-      <p:sp>
-        <p:nvSpPr>
-          <p:cNvPr id="3" name="Rectangle 2"/>
-          <p:cNvSpPr/>
-          <p:nvPr/>
-        </p:nvSpPr>
-        <p:spPr>
-          <a:xfrm>
-            <a:off x="300588" y="1066800"/>
-            <a:ext cx="1223412" cy="369332"/>
-          </a:xfrm>
-          <a:prstGeom prst="rect">
-            <a:avLst/>
-          </a:prstGeom>
-        </p:spPr>
-        <p:txBody>
-          <a:bodyPr wrap="none">
-            <a:spAutoFit/>
-          </a:bodyPr>
-          <a:lstStyle/>
-          <a:p>
-            <a:r>
-              <a:rPr lang="en-US" b="1" dirty="0"/>
-              <a:t>Conclusion</a:t>
-            </a:r>
-          </a:p>
-        </p:txBody>
-      </p:sp>
-      <p:sp>
-        <p:nvSpPr>
-          <p:cNvPr id="4" name="Slide Number Placeholder 3"/>
-          <p:cNvSpPr>
-            <a:spLocks noGrp="1"/>
-          </p:cNvSpPr>
-          <p:nvPr>
-            <p:ph type="sldNum" sz="quarter" idx="12"/>
-          </p:nvPr>
-        </p:nvSpPr>
-        <p:spPr/>
-        <p:txBody>
-          <a:bodyPr/>
-          <a:lstStyle/>
-          <a:p>
-            <a:fld id="{B6F15528-21DE-4FAA-801E-634DDDAF4B2B}" type="slidenum">
-              <a:rPr lang="en-US" smtClean="0"/>
-              <a:pPr/>
-              <a:t>44</a:t>
-            </a:fld>
-            <a:endParaRPr lang="en-US"/>
-          </a:p>
-        </p:txBody>
-      </p:sp>
-    </p:spTree>
-    <p:extLst>
-      <p:ext uri="{BB962C8B-B14F-4D97-AF65-F5344CB8AC3E}">
-        <p14:creationId xmlns:p14="http://schemas.microsoft.com/office/powerpoint/2010/main" val="739767970"/>
       </p:ext>
     </p:extLst>
   </p:cSld>
@@ -16353,6 +16229,265 @@
         </p:nvSpPr>
         <p:spPr>
           <a:xfrm>
+            <a:off x="304800" y="1744682"/>
+            <a:ext cx="8382000" cy="3970318"/>
+          </a:xfrm>
+          <a:prstGeom prst="rect">
+            <a:avLst/>
+          </a:prstGeom>
+        </p:spPr>
+        <p:txBody>
+          <a:bodyPr wrap="square">
+            <a:spAutoFit/>
+          </a:bodyPr>
+          <a:lstStyle/>
+          <a:p>
+            <a:pPr marL="285750" lvl="0" indent="-285750">
+              <a:buFont typeface="Wingdings" panose="05000000000000000000" pitchFamily="2" charset="2"/>
+              <a:buChar char="§"/>
+            </a:pPr>
+            <a:r>
+              <a:rPr lang="en-US" sz="1400" dirty="0"/>
+              <a:t>Assuming independent features of the incidents, the </a:t>
+            </a:r>
+            <a:r>
+              <a:rPr lang="en-US" sz="1400" dirty="0" err="1"/>
+              <a:t>KNeighborsClassifier</a:t>
+            </a:r>
+            <a:r>
+              <a:rPr lang="en-US" sz="1400" dirty="0"/>
+              <a:t> model is applied to conduct the supervised classification machine learning. After tuning and cross validating the parameter </a:t>
+            </a:r>
+            <a:r>
+              <a:rPr lang="en-US" sz="1400" dirty="0" err="1"/>
+              <a:t>n_neighbors</a:t>
+            </a:r>
+            <a:r>
+              <a:rPr lang="en-US" sz="1400" dirty="0"/>
+              <a:t>, I get 86.6% accuracy score for train data and 79.9% accuracy score for test data, with the best </a:t>
+            </a:r>
+            <a:r>
+              <a:rPr lang="en-US" sz="1400" dirty="0" err="1"/>
+              <a:t>n_neighbors</a:t>
+            </a:r>
+            <a:r>
+              <a:rPr lang="en-US" sz="1400" dirty="0"/>
+              <a:t>=5. </a:t>
+            </a:r>
+            <a:endParaRPr lang="en-US" sz="1400" dirty="0" smtClean="0"/>
+          </a:p>
+          <a:p>
+            <a:pPr marL="285750" lvl="0" indent="-285750">
+              <a:buFont typeface="Wingdings" panose="05000000000000000000" pitchFamily="2" charset="2"/>
+              <a:buChar char="§"/>
+            </a:pPr>
+            <a:r>
+              <a:rPr lang="en-US" sz="1400" dirty="0" smtClean="0"/>
+              <a:t>From </a:t>
+            </a:r>
+            <a:r>
+              <a:rPr lang="en-US" sz="1400" dirty="0"/>
+              <a:t>the plots of the train data residual distribution and the test data residual distribution, we can see the residual distribution uniformly in 1 and -1 around 0, which further validates the model. </a:t>
+            </a:r>
+            <a:endParaRPr lang="en-US" sz="1400" dirty="0" smtClean="0"/>
+          </a:p>
+          <a:p>
+            <a:pPr marL="285750" lvl="0" indent="-285750">
+              <a:buFont typeface="Wingdings" panose="05000000000000000000" pitchFamily="2" charset="2"/>
+              <a:buChar char="§"/>
+            </a:pPr>
+            <a:r>
+              <a:rPr lang="en-US" sz="1400" dirty="0" smtClean="0"/>
+              <a:t>Then </a:t>
+            </a:r>
+            <a:r>
+              <a:rPr lang="en-US" sz="1400" dirty="0"/>
+              <a:t>apply the trained model to predict the missing incident severity data, and update the initial spills table, and the correlations are re-evaluated among the monthly number of incidents, volume spilled and recovered, severity, incident type, material spilled, cause, source, waterway and groundwater impacted, location distribution, and </a:t>
+            </a:r>
+            <a:r>
+              <a:rPr lang="en-US" sz="1400" dirty="0" smtClean="0"/>
+              <a:t>operators.</a:t>
+            </a:r>
+          </a:p>
+          <a:p>
+            <a:pPr marL="285750" lvl="0" indent="-285750">
+              <a:buFont typeface="Wingdings" panose="05000000000000000000" pitchFamily="2" charset="2"/>
+              <a:buChar char="§"/>
+            </a:pPr>
+            <a:r>
+              <a:rPr lang="en-US" sz="1400" dirty="0" smtClean="0"/>
+              <a:t>After </a:t>
+            </a:r>
+            <a:r>
+              <a:rPr lang="en-US" sz="1400" dirty="0"/>
+              <a:t>updating, there monthly number of incidents increases by 10 to 20/month after 2008, and maximum number of major and minor incidents is more than 120/month in 2016 with more minor incidents than major </a:t>
+            </a:r>
+            <a:r>
+              <a:rPr lang="en-US" sz="1400" dirty="0" smtClean="0"/>
+              <a:t>incidents.</a:t>
+            </a:r>
+          </a:p>
+          <a:p>
+            <a:pPr marL="285750" lvl="0" indent="-285750">
+              <a:buFont typeface="Wingdings" panose="05000000000000000000" pitchFamily="2" charset="2"/>
+              <a:buChar char="§"/>
+            </a:pPr>
+            <a:r>
+              <a:rPr lang="en-US" sz="1400" dirty="0" smtClean="0"/>
+              <a:t>The </a:t>
+            </a:r>
+            <a:r>
+              <a:rPr lang="en-US" sz="1400" dirty="0"/>
+              <a:t>maximum monthly number of minor incidents is more than major incidents after updating the </a:t>
+            </a:r>
+            <a:r>
+              <a:rPr lang="en-US" sz="1400" dirty="0" smtClean="0"/>
+              <a:t>table.</a:t>
+            </a:r>
+          </a:p>
+          <a:p>
+            <a:pPr marL="285750" lvl="0" indent="-285750">
+              <a:buFont typeface="Wingdings" panose="05000000000000000000" pitchFamily="2" charset="2"/>
+              <a:buChar char="§"/>
+            </a:pPr>
+            <a:r>
+              <a:rPr lang="en-US" sz="1400" dirty="0" smtClean="0"/>
+              <a:t>The </a:t>
+            </a:r>
+            <a:r>
+              <a:rPr lang="en-US" sz="1400" dirty="0"/>
+              <a:t>correlation between the number of major and minor incidents and incident type, material spilled, spill cause and spill source is adjusted slightly and reordered on each category. </a:t>
+            </a:r>
+            <a:endParaRPr lang="en-US" sz="1400" dirty="0" smtClean="0"/>
+          </a:p>
+          <a:p>
+            <a:pPr marL="285750" lvl="0" indent="-285750">
+              <a:buFont typeface="Wingdings" panose="05000000000000000000" pitchFamily="2" charset="2"/>
+              <a:buChar char="§"/>
+            </a:pPr>
+            <a:r>
+              <a:rPr lang="en-US" sz="1400" dirty="0" smtClean="0"/>
+              <a:t>The </a:t>
+            </a:r>
+            <a:r>
+              <a:rPr lang="en-US" sz="1400" dirty="0"/>
+              <a:t>number of incidents in each district and county is adjusted slightly. </a:t>
+            </a:r>
+            <a:endParaRPr lang="en-US" sz="1400" dirty="0" smtClean="0"/>
+          </a:p>
+          <a:p>
+            <a:pPr marL="285750" lvl="0" indent="-285750">
+              <a:buFont typeface="Wingdings" panose="05000000000000000000" pitchFamily="2" charset="2"/>
+              <a:buChar char="§"/>
+            </a:pPr>
+            <a:r>
+              <a:rPr lang="en-US" sz="1400" dirty="0" smtClean="0"/>
+              <a:t>The </a:t>
+            </a:r>
+            <a:r>
+              <a:rPr lang="en-US" sz="1400" dirty="0"/>
+              <a:t>total number of minor incidents caused by operator increases after updating the data, for example, COG OPERATING LLC, ENTERPRISE PRODUCTS OPERATING LLC, BP AMERICA PRODUCTION COMPANY.</a:t>
+            </a:r>
+          </a:p>
+        </p:txBody>
+      </p:sp>
+      <p:sp>
+        <p:nvSpPr>
+          <p:cNvPr id="3" name="Rectangle 2"/>
+          <p:cNvSpPr/>
+          <p:nvPr/>
+        </p:nvSpPr>
+        <p:spPr>
+          <a:xfrm>
+            <a:off x="300588" y="1066800"/>
+            <a:ext cx="1223412" cy="369332"/>
+          </a:xfrm>
+          <a:prstGeom prst="rect">
+            <a:avLst/>
+          </a:prstGeom>
+        </p:spPr>
+        <p:txBody>
+          <a:bodyPr wrap="none">
+            <a:spAutoFit/>
+          </a:bodyPr>
+          <a:lstStyle/>
+          <a:p>
+            <a:r>
+              <a:rPr lang="en-US" b="1" dirty="0"/>
+              <a:t>Conclusion</a:t>
+            </a:r>
+          </a:p>
+        </p:txBody>
+      </p:sp>
+      <p:sp>
+        <p:nvSpPr>
+          <p:cNvPr id="4" name="Slide Number Placeholder 3"/>
+          <p:cNvSpPr>
+            <a:spLocks noGrp="1"/>
+          </p:cNvSpPr>
+          <p:nvPr>
+            <p:ph type="sldNum" sz="quarter" idx="12"/>
+          </p:nvPr>
+        </p:nvSpPr>
+        <p:spPr/>
+        <p:txBody>
+          <a:bodyPr/>
+          <a:lstStyle/>
+          <a:p>
+            <a:fld id="{B6F15528-21DE-4FAA-801E-634DDDAF4B2B}" type="slidenum">
+              <a:rPr lang="en-US" smtClean="0"/>
+              <a:pPr/>
+              <a:t>45</a:t>
+            </a:fld>
+            <a:endParaRPr lang="en-US"/>
+          </a:p>
+        </p:txBody>
+      </p:sp>
+    </p:spTree>
+    <p:extLst>
+      <p:ext uri="{BB962C8B-B14F-4D97-AF65-F5344CB8AC3E}">
+        <p14:creationId xmlns:p14="http://schemas.microsoft.com/office/powerpoint/2010/main" val="739767970"/>
+      </p:ext>
+    </p:extLst>
+  </p:cSld>
+  <p:clrMapOvr>
+    <a:masterClrMapping/>
+  </p:clrMapOvr>
+  <p:timing>
+    <p:tnLst>
+      <p:par>
+        <p:cTn id="1" dur="indefinite" restart="never" nodeType="tmRoot"/>
+      </p:par>
+    </p:tnLst>
+  </p:timing>
+</p:sld>
+</file>
+
+<file path=ppt/slides/slide46.xml><?xml version="1.0" encoding="utf-8"?>
+<p:sld xmlns:a="http://schemas.openxmlformats.org/drawingml/2006/main" xmlns:r="http://schemas.openxmlformats.org/officeDocument/2006/relationships" xmlns:p="http://schemas.openxmlformats.org/presentationml/2006/main">
+  <p:cSld>
+    <p:spTree>
+      <p:nvGrpSpPr>
+        <p:cNvPr id="1" name=""/>
+        <p:cNvGrpSpPr/>
+        <p:nvPr/>
+      </p:nvGrpSpPr>
+      <p:grpSpPr>
+        <a:xfrm>
+          <a:off x="0" y="0"/>
+          <a:ext cx="0" cy="0"/>
+          <a:chOff x="0" y="0"/>
+          <a:chExt cx="0" cy="0"/>
+        </a:xfrm>
+      </p:grpSpPr>
+      <p:sp>
+        <p:nvSpPr>
+          <p:cNvPr id="2" name="Rectangle 1"/>
+          <p:cNvSpPr/>
+          <p:nvPr/>
+        </p:nvSpPr>
+        <p:spPr>
+          <a:xfrm>
             <a:off x="457200" y="926068"/>
             <a:ext cx="1445845" cy="369332"/>
           </a:xfrm>
@@ -16453,7 +16588,7 @@
             <a:fld id="{B6F15528-21DE-4FAA-801E-634DDDAF4B2B}" type="slidenum">
               <a:rPr lang="en-US" smtClean="0"/>
               <a:pPr/>
-              <a:t>45</a:t>
+              <a:t>46</a:t>
             </a:fld>
             <a:endParaRPr lang="en-US"/>
           </a:p>

--- a/capstone_project1_New_Mexico_Well_Oil_Gas_Spill_Incidents.pptx
+++ b/capstone_project1_New_Mexico_Well_Oil_Gas_Spill_Incidents.pptx
@@ -14136,8 +14136,28 @@
           <a:lstStyle/>
           <a:p>
             <a:r>
+              <a:rPr lang="en-US" sz="1400" dirty="0" smtClean="0"/>
+              <a:t>92.5</a:t>
+            </a:r>
+            <a:r>
+              <a:rPr lang="en-US" sz="1400" dirty="0" smtClean="0"/>
+              <a:t>% </a:t>
+            </a:r>
+            <a:r>
               <a:rPr lang="en-US" sz="1400" dirty="0"/>
-              <a:t>86.6% accuracy score for train data and 79.9% accuracy score for test </a:t>
+              <a:t>accuracy score for train data and </a:t>
+            </a:r>
+            <a:r>
+              <a:rPr lang="en-US" sz="1400" dirty="0" smtClean="0"/>
+              <a:t>82.1</a:t>
+            </a:r>
+            <a:r>
+              <a:rPr lang="en-US" sz="1400" dirty="0" smtClean="0"/>
+              <a:t>% </a:t>
+            </a:r>
+            <a:r>
+              <a:rPr lang="en-US" sz="1400" dirty="0"/>
+              <a:t>accuracy score for test </a:t>
             </a:r>
             <a:r>
               <a:rPr lang="en-US" sz="1400" dirty="0" smtClean="0"/>
@@ -14154,13 +14174,14 @@
               <a:t>the best </a:t>
             </a:r>
             <a:r>
-              <a:rPr lang="en-US" sz="1400" dirty="0" err="1"/>
+              <a:rPr lang="en-US" sz="1400" dirty="0" err="1" smtClean="0"/>
               <a:t>n_neighbors</a:t>
             </a:r>
             <a:r>
-              <a:rPr lang="en-US" sz="1400" dirty="0"/>
-              <a:t>=5</a:t>
-            </a:r>
+              <a:rPr lang="en-US" sz="1400" dirty="0" smtClean="0"/>
+              <a:t>=2</a:t>
+            </a:r>
+            <a:endParaRPr lang="en-US" sz="1400" dirty="0"/>
           </a:p>
         </p:txBody>
       </p:sp>
@@ -16230,7 +16251,7 @@
         <p:spPr>
           <a:xfrm>
             <a:off x="304800" y="1744682"/>
-            <a:ext cx="8382000" cy="3970318"/>
+            <a:ext cx="8382000" cy="4185761"/>
           </a:xfrm>
           <a:prstGeom prst="rect">
             <a:avLst/>
@@ -16264,15 +16285,50 @@
             </a:r>
             <a:r>
               <a:rPr lang="en-US" sz="1400" dirty="0"/>
-              <a:t>, I get 86.6% accuracy score for train data and 79.9% accuracy score for test data, with the best </a:t>
-            </a:r>
-            <a:r>
-              <a:rPr lang="en-US" sz="1400" dirty="0" err="1"/>
+              <a:t>, I get </a:t>
+            </a:r>
+            <a:r>
+              <a:rPr lang="en-US" sz="1400" dirty="0" smtClean="0"/>
+              <a:t>92.5</a:t>
+            </a:r>
+            <a:r>
+              <a:rPr lang="en-US" sz="1400" dirty="0" smtClean="0"/>
+              <a:t>% </a:t>
+            </a:r>
+            <a:r>
+              <a:rPr lang="en-US" sz="1400" dirty="0"/>
+              <a:t>accuracy score for train data and </a:t>
+            </a:r>
+            <a:r>
+              <a:rPr lang="en-US" sz="1400" dirty="0" smtClean="0"/>
+              <a:t>86.1</a:t>
+            </a:r>
+            <a:r>
+              <a:rPr lang="en-US" sz="1400" dirty="0" smtClean="0"/>
+              <a:t>% </a:t>
+            </a:r>
+            <a:r>
+              <a:rPr lang="en-US" sz="1400" dirty="0"/>
+              <a:t>accuracy score for test data, with the best </a:t>
+            </a:r>
+            <a:r>
+              <a:rPr lang="en-US" sz="1400" dirty="0" err="1" smtClean="0"/>
               <a:t>n_neighbors</a:t>
             </a:r>
             <a:r>
+              <a:rPr lang="en-US" sz="1400" dirty="0" smtClean="0"/>
+              <a:t>=2. </a:t>
+            </a:r>
+            <a:endParaRPr lang="en-US" sz="1400" dirty="0" smtClean="0"/>
+          </a:p>
+          <a:p>
+            <a:pPr marL="285750" lvl="0" indent="-285750">
+              <a:buFont typeface="Wingdings" panose="05000000000000000000" pitchFamily="2" charset="2"/>
+              <a:buChar char="§"/>
+            </a:pPr>
+            <a:r>
               <a:rPr lang="en-US" sz="1400" dirty="0"/>
-              <a:t>=5. </a:t>
+              <a:t>The volume spilled is the most important feature to decide the incidents is whether major or minor.</a:t>
             </a:r>
             <a:endParaRPr lang="en-US" sz="1400" dirty="0" smtClean="0"/>
           </a:p>
@@ -16517,7 +16573,7 @@
         <p:spPr>
           <a:xfrm>
             <a:off x="762000" y="1905000"/>
-            <a:ext cx="5871231" cy="738664"/>
+            <a:ext cx="5871231" cy="523220"/>
           </a:xfrm>
           <a:prstGeom prst="rect">
             <a:avLst/>
@@ -16535,18 +16591,12 @@
               <a:buChar char="§"/>
             </a:pPr>
             <a:r>
+              <a:rPr lang="en-US" sz="1400" smtClean="0"/>
+              <a:t>Does </a:t>
+            </a:r>
+            <a:r>
               <a:rPr lang="en-US" sz="1400" dirty="0" smtClean="0"/>
-              <a:t>Study the features importance to cause major incident</a:t>
-            </a:r>
-          </a:p>
-          <a:p>
-            <a:pPr marL="285750" indent="-285750">
-              <a:buFont typeface="Wingdings" panose="05000000000000000000" pitchFamily="2" charset="2"/>
-              <a:buChar char="§"/>
-            </a:pPr>
-            <a:r>
-              <a:rPr lang="en-US" sz="1400" dirty="0" smtClean="0"/>
-              <a:t>Does minor incident tends to lead major incident without correction</a:t>
+              <a:t>minor incident tends to lead major incident without correction</a:t>
             </a:r>
           </a:p>
           <a:p>

--- a/capstone_project1_New_Mexico_Well_Oil_Gas_Spill_Incidents.pptx
+++ b/capstone_project1_New_Mexico_Well_Oil_Gas_Spill_Incidents.pptx
@@ -237,7 +237,7 @@
           <a:p>
             <a:fld id="{D32337CF-FC56-419D-B15F-114497CB74BD}" type="datetimeFigureOut">
               <a:rPr lang="en-US" smtClean="0"/>
-              <a:t>3/27/2019</a:t>
+              <a:t>3/28/2019</a:t>
             </a:fld>
             <a:endParaRPr lang="en-US"/>
           </a:p>
@@ -938,7 +938,7 @@
           <a:p>
             <a:fld id="{7FD9D7F2-5E27-4353-9CFF-22D511A79966}" type="datetime1">
               <a:rPr lang="en-US" smtClean="0"/>
-              <a:t>3/27/2019</a:t>
+              <a:t>3/28/2019</a:t>
             </a:fld>
             <a:endParaRPr lang="en-US"/>
           </a:p>
@@ -1104,7 +1104,7 @@
           <a:p>
             <a:fld id="{00F8D451-1573-4E22-8613-74D40ED4718F}" type="datetime1">
               <a:rPr lang="en-US" smtClean="0"/>
-              <a:t>3/27/2019</a:t>
+              <a:t>3/28/2019</a:t>
             </a:fld>
             <a:endParaRPr lang="en-US"/>
           </a:p>
@@ -1280,7 +1280,7 @@
           <a:p>
             <a:fld id="{DDDBD9B1-6037-454E-8ECD-B90D20789FC0}" type="datetime1">
               <a:rPr lang="en-US" smtClean="0"/>
-              <a:t>3/27/2019</a:t>
+              <a:t>3/28/2019</a:t>
             </a:fld>
             <a:endParaRPr lang="en-US"/>
           </a:p>
@@ -1446,7 +1446,7 @@
           <a:p>
             <a:fld id="{E7350832-357C-408F-88CF-287ACC7527A4}" type="datetime1">
               <a:rPr lang="en-US" smtClean="0"/>
-              <a:t>3/27/2019</a:t>
+              <a:t>3/28/2019</a:t>
             </a:fld>
             <a:endParaRPr lang="en-US"/>
           </a:p>
@@ -1688,7 +1688,7 @@
           <a:p>
             <a:fld id="{F89ABB20-4D11-4731-86AC-0105CE502771}" type="datetime1">
               <a:rPr lang="en-US" smtClean="0"/>
-              <a:t>3/27/2019</a:t>
+              <a:t>3/28/2019</a:t>
             </a:fld>
             <a:endParaRPr lang="en-US"/>
           </a:p>
@@ -1972,7 +1972,7 @@
           <a:p>
             <a:fld id="{7A9D3B85-79D5-494A-A9C9-AD15F6C1C7EA}" type="datetime1">
               <a:rPr lang="en-US" smtClean="0"/>
-              <a:t>3/27/2019</a:t>
+              <a:t>3/28/2019</a:t>
             </a:fld>
             <a:endParaRPr lang="en-US"/>
           </a:p>
@@ -2390,7 +2390,7 @@
           <a:p>
             <a:fld id="{5E4DF56F-D63E-44B1-9C48-2F12C8A5B96E}" type="datetime1">
               <a:rPr lang="en-US" smtClean="0"/>
-              <a:t>3/27/2019</a:t>
+              <a:t>3/28/2019</a:t>
             </a:fld>
             <a:endParaRPr lang="en-US"/>
           </a:p>
@@ -2504,7 +2504,7 @@
           <a:p>
             <a:fld id="{720929CE-8E8E-4A6D-A39B-1C73674D309C}" type="datetime1">
               <a:rPr lang="en-US" smtClean="0"/>
-              <a:t>3/27/2019</a:t>
+              <a:t>3/28/2019</a:t>
             </a:fld>
             <a:endParaRPr lang="en-US"/>
           </a:p>
@@ -2595,7 +2595,7 @@
           <a:p>
             <a:fld id="{29F16BA8-12C5-4CAC-A90F-1D9F3797C8BD}" type="datetime1">
               <a:rPr lang="en-US" smtClean="0"/>
-              <a:t>3/27/2019</a:t>
+              <a:t>3/28/2019</a:t>
             </a:fld>
             <a:endParaRPr lang="en-US"/>
           </a:p>
@@ -2868,7 +2868,7 @@
           <a:p>
             <a:fld id="{4105F482-B4F7-422F-9CCB-8AF4F63871B7}" type="datetime1">
               <a:rPr lang="en-US" smtClean="0"/>
-              <a:t>3/27/2019</a:t>
+              <a:t>3/28/2019</a:t>
             </a:fld>
             <a:endParaRPr lang="en-US"/>
           </a:p>
@@ -3117,7 +3117,7 @@
           <a:p>
             <a:fld id="{21A4D602-A173-40FF-9835-1953B308BEA8}" type="datetime1">
               <a:rPr lang="en-US" smtClean="0"/>
-              <a:t>3/27/2019</a:t>
+              <a:t>3/28/2019</a:t>
             </a:fld>
             <a:endParaRPr lang="en-US"/>
           </a:p>
@@ -3326,7 +3326,7 @@
           <a:p>
             <a:fld id="{245C9854-8CD7-4987-82E2-E0A4748330D3}" type="datetime1">
               <a:rPr lang="en-US" smtClean="0"/>
-              <a:t>3/27/2019</a:t>
+              <a:t>3/28/2019</a:t>
             </a:fld>
             <a:endParaRPr lang="en-US"/>
           </a:p>
@@ -10256,7 +10256,7 @@
         <p:spPr>
           <a:xfrm>
             <a:off x="990599" y="2057400"/>
-            <a:ext cx="7315201" cy="3170099"/>
+            <a:ext cx="7315201" cy="3477875"/>
           </a:xfrm>
           <a:prstGeom prst="rect">
             <a:avLst/>
@@ -10342,8 +10342,25 @@
             </a:r>
             <a:r>
               <a:rPr lang="en-US" sz="2000" dirty="0"/>
-              <a:t>water flooding and well type design to enhance oil and gas recovery, and how to avoid major spill incidents. </a:t>
-            </a:r>
+              <a:t>water flooding and well type design to enhance oil and gas recovery, and how to avoid major spill </a:t>
+            </a:r>
+            <a:r>
+              <a:rPr lang="en-US" sz="2000" dirty="0" smtClean="0"/>
+              <a:t>incidents, a</a:t>
+            </a:r>
+            <a:r>
+              <a:rPr lang="en-US" sz="2000" dirty="0" smtClean="0"/>
+              <a:t>nd </a:t>
+            </a:r>
+            <a:r>
+              <a:rPr lang="en-US" sz="2000" dirty="0"/>
+              <a:t>apply random forest to study the incident feature importance</a:t>
+            </a:r>
+            <a:r>
+              <a:rPr lang="en-US" sz="2000" dirty="0" smtClean="0"/>
+              <a:t>.</a:t>
+            </a:r>
+            <a:endParaRPr lang="en-US" sz="2000" dirty="0"/>
           </a:p>
         </p:txBody>
       </p:sp>
@@ -14016,6 +14033,13 @@
   <p:clrMapOvr>
     <a:masterClrMapping/>
   </p:clrMapOvr>
+  <p:timing>
+    <p:tnLst>
+      <p:par>
+        <p:cTn id="1" dur="indefinite" restart="never" nodeType="tmRoot"/>
+      </p:par>
+    </p:tnLst>
+  </p:timing>
 </p:sld>
 </file>
 
@@ -14094,6 +14118,13 @@
   <p:clrMapOvr>
     <a:masterClrMapping/>
   </p:clrMapOvr>
+  <p:timing>
+    <p:tnLst>
+      <p:par>
+        <p:cTn id="1" dur="indefinite" restart="never" nodeType="tmRoot"/>
+      </p:par>
+    </p:tnLst>
+  </p:timing>
 </p:sld>
 </file>
 
@@ -14122,8 +14153,8 @@
         </p:nvSpPr>
         <p:spPr>
           <a:xfrm>
-            <a:off x="609600" y="1123787"/>
-            <a:ext cx="5943600" cy="523220"/>
+            <a:off x="609600" y="762000"/>
+            <a:ext cx="7543800" cy="954107"/>
           </a:xfrm>
           <a:prstGeom prst="rect">
             <a:avLst/>
@@ -14137,7 +14168,15 @@
           <a:p>
             <a:r>
               <a:rPr lang="en-US" sz="1400" dirty="0" smtClean="0"/>
-              <a:t>92.5</a:t>
+              <a:t>92.5% </a:t>
+            </a:r>
+            <a:r>
+              <a:rPr lang="en-US" sz="1400" dirty="0"/>
+              <a:t>accuracy score for train data and </a:t>
+            </a:r>
+            <a:r>
+              <a:rPr lang="en-US" sz="1400" dirty="0" smtClean="0"/>
+              <a:t>86.1</a:t>
             </a:r>
             <a:r>
               <a:rPr lang="en-US" sz="1400" dirty="0" smtClean="0"/>
@@ -14145,18 +14184,6 @@
             </a:r>
             <a:r>
               <a:rPr lang="en-US" sz="1400" dirty="0"/>
-              <a:t>accuracy score for train data and </a:t>
-            </a:r>
-            <a:r>
-              <a:rPr lang="en-US" sz="1400" dirty="0" smtClean="0"/>
-              <a:t>82.1</a:t>
-            </a:r>
-            <a:r>
-              <a:rPr lang="en-US" sz="1400" dirty="0" smtClean="0"/>
-              <a:t>% </a:t>
-            </a:r>
-            <a:r>
-              <a:rPr lang="en-US" sz="1400" dirty="0"/>
               <a:t>accuracy score for test </a:t>
             </a:r>
             <a:r>
@@ -14180,6 +14207,15 @@
             <a:r>
               <a:rPr lang="en-US" sz="1400" dirty="0" smtClean="0"/>
               <a:t>=2</a:t>
+            </a:r>
+          </a:p>
+          <a:p>
+            <a:endParaRPr lang="en-US" sz="1400" dirty="0" smtClean="0"/>
+          </a:p>
+          <a:p>
+            <a:r>
+              <a:rPr lang="en-US" sz="1400" dirty="0" smtClean="0"/>
+              <a:t>Compared with SVM, which generate good result on training data, but low score on test data</a:t>
             </a:r>
             <a:endParaRPr lang="en-US" sz="1400" dirty="0"/>
           </a:p>
@@ -14317,7 +14353,7 @@
         </p:blipFill>
         <p:spPr bwMode="auto">
           <a:xfrm>
-            <a:off x="914400" y="1295400"/>
+            <a:off x="1600200" y="956498"/>
             <a:ext cx="7440561" cy="5369477"/>
           </a:xfrm>
           <a:prstGeom prst="rect">
@@ -14356,8 +14392,8 @@
         </p:nvSpPr>
         <p:spPr>
           <a:xfrm>
-            <a:off x="685800" y="762000"/>
-            <a:ext cx="2815386" cy="369332"/>
+            <a:off x="304800" y="381000"/>
+            <a:ext cx="2815386" cy="923330"/>
           </a:xfrm>
           <a:prstGeom prst="rect">
             <a:avLst/>
@@ -14372,9 +14408,21 @@
           <a:p>
             <a:r>
               <a:rPr lang="en-US" dirty="0" smtClean="0"/>
-              <a:t>Incident feature importance</a:t>
-            </a:r>
+              <a:t>Incident feature </a:t>
+            </a:r>
+            <a:r>
+              <a:rPr lang="en-US" dirty="0" smtClean="0"/>
+              <a:t>importance</a:t>
+            </a:r>
+          </a:p>
+          <a:p>
             <a:endParaRPr lang="en-US" dirty="0"/>
+          </a:p>
+          <a:p>
+            <a:r>
+              <a:rPr lang="en-US" dirty="0" smtClean="0"/>
+              <a:t>Random Forest</a:t>
+            </a:r>
           </a:p>
         </p:txBody>
       </p:sp>
@@ -14388,6 +14436,13 @@
   <p:clrMapOvr>
     <a:masterClrMapping/>
   </p:clrMapOvr>
+  <p:timing>
+    <p:tnLst>
+      <p:par>
+        <p:cTn id="1" dur="indefinite" restart="never" nodeType="tmRoot"/>
+      </p:par>
+    </p:tnLst>
+  </p:timing>
 </p:sld>
 </file>
 
@@ -16289,11 +16344,7 @@
             </a:r>
             <a:r>
               <a:rPr lang="en-US" sz="1400" dirty="0" smtClean="0"/>
-              <a:t>92.5</a:t>
-            </a:r>
-            <a:r>
-              <a:rPr lang="en-US" sz="1400" dirty="0" smtClean="0"/>
-              <a:t>% </a:t>
+              <a:t>92.5% </a:t>
             </a:r>
             <a:r>
               <a:rPr lang="en-US" sz="1400" dirty="0"/>
@@ -16301,11 +16352,7 @@
             </a:r>
             <a:r>
               <a:rPr lang="en-US" sz="1400" dirty="0" smtClean="0"/>
-              <a:t>86.1</a:t>
-            </a:r>
-            <a:r>
-              <a:rPr lang="en-US" sz="1400" dirty="0" smtClean="0"/>
-              <a:t>% </a:t>
+              <a:t>86.1% </a:t>
             </a:r>
             <a:r>
               <a:rPr lang="en-US" sz="1400" dirty="0"/>
@@ -16319,7 +16366,6 @@
               <a:rPr lang="en-US" sz="1400" dirty="0" smtClean="0"/>
               <a:t>=2. </a:t>
             </a:r>
-            <a:endParaRPr lang="en-US" sz="1400" dirty="0" smtClean="0"/>
           </a:p>
           <a:p>
             <a:pPr marL="285750" lvl="0" indent="-285750">
